--- a/src/Host/presentation/Presentazione.pptx
+++ b/src/Host/presentation/Presentazione.pptx
@@ -8,19 +8,8 @@
     <p:sldId id="654" r:id="rId2"/>
     <p:sldId id="655" r:id="rId3"/>
     <p:sldId id="656" r:id="rId4"/>
-    <p:sldId id="259" r:id="rId5"/>
-    <p:sldId id="260" r:id="rId6"/>
-    <p:sldId id="261" r:id="rId7"/>
-    <p:sldId id="263" r:id="rId8"/>
-    <p:sldId id="262" r:id="rId9"/>
-    <p:sldId id="264" r:id="rId10"/>
-    <p:sldId id="265" r:id="rId11"/>
-    <p:sldId id="269" r:id="rId12"/>
-    <p:sldId id="268" r:id="rId13"/>
-    <p:sldId id="266" r:id="rId14"/>
-    <p:sldId id="267" r:id="rId15"/>
-    <p:sldId id="270" r:id="rId16"/>
-    <p:sldId id="271" r:id="rId17"/>
+    <p:sldId id="657" r:id="rId5"/>
+    <p:sldId id="658" r:id="rId6"/>
   </p:sldIdLst>
   <p:sldSz cx="12192000" cy="6858000"/>
   <p:notesSz cx="6858000" cy="9144000"/>
@@ -310,7 +299,7 @@
           <a:p>
             <a:fld id="{486AF098-4E88-4FB4-B061-84F2E894171B}" type="datetimeFigureOut">
               <a:rPr lang="en-GB" smtClean="0"/>
-              <a:t>28/02/2021</a:t>
+              <a:t>01/03/2021</a:t>
             </a:fld>
             <a:endParaRPr lang="en-GB"/>
           </a:p>
@@ -585,7 +574,7 @@
           <a:p>
             <a:fld id="{486AF098-4E88-4FB4-B061-84F2E894171B}" type="datetimeFigureOut">
               <a:rPr lang="en-GB" smtClean="0"/>
-              <a:t>28/02/2021</a:t>
+              <a:t>01/03/2021</a:t>
             </a:fld>
             <a:endParaRPr lang="en-GB"/>
           </a:p>
@@ -779,7 +768,7 @@
           <a:p>
             <a:fld id="{486AF098-4E88-4FB4-B061-84F2E894171B}" type="datetimeFigureOut">
               <a:rPr lang="en-GB" smtClean="0"/>
-              <a:t>28/02/2021</a:t>
+              <a:t>01/03/2021</a:t>
             </a:fld>
             <a:endParaRPr lang="en-GB"/>
           </a:p>
@@ -1047,7 +1036,7 @@
           <a:p>
             <a:fld id="{486AF098-4E88-4FB4-B061-84F2E894171B}" type="datetimeFigureOut">
               <a:rPr lang="en-GB" smtClean="0"/>
-              <a:t>28/02/2021</a:t>
+              <a:t>01/03/2021</a:t>
             </a:fld>
             <a:endParaRPr lang="en-GB"/>
           </a:p>
@@ -1379,7 +1368,7 @@
           <a:p>
             <a:fld id="{486AF098-4E88-4FB4-B061-84F2E894171B}" type="datetimeFigureOut">
               <a:rPr lang="en-GB" smtClean="0"/>
-              <a:t>28/02/2021</a:t>
+              <a:t>01/03/2021</a:t>
             </a:fld>
             <a:endParaRPr lang="en-GB"/>
           </a:p>
@@ -1989,7 +1978,7 @@
           <a:p>
             <a:fld id="{486AF098-4E88-4FB4-B061-84F2E894171B}" type="datetimeFigureOut">
               <a:rPr lang="en-GB" smtClean="0"/>
-              <a:t>28/02/2021</a:t>
+              <a:t>01/03/2021</a:t>
             </a:fld>
             <a:endParaRPr lang="en-GB"/>
           </a:p>
@@ -2836,7 +2825,7 @@
           <a:p>
             <a:fld id="{486AF098-4E88-4FB4-B061-84F2E894171B}" type="datetimeFigureOut">
               <a:rPr lang="en-GB" smtClean="0"/>
-              <a:t>28/02/2021</a:t>
+              <a:t>01/03/2021</a:t>
             </a:fld>
             <a:endParaRPr lang="en-GB"/>
           </a:p>
@@ -3006,7 +2995,7 @@
           <a:p>
             <a:fld id="{486AF098-4E88-4FB4-B061-84F2E894171B}" type="datetimeFigureOut">
               <a:rPr lang="en-GB" smtClean="0"/>
-              <a:t>28/02/2021</a:t>
+              <a:t>01/03/2021</a:t>
             </a:fld>
             <a:endParaRPr lang="en-GB"/>
           </a:p>
@@ -3186,7 +3175,7 @@
           <a:p>
             <a:fld id="{486AF098-4E88-4FB4-B061-84F2E894171B}" type="datetimeFigureOut">
               <a:rPr lang="en-GB" smtClean="0"/>
-              <a:t>28/02/2021</a:t>
+              <a:t>01/03/2021</a:t>
             </a:fld>
             <a:endParaRPr lang="en-GB"/>
           </a:p>
@@ -3356,7 +3345,7 @@
           <a:p>
             <a:fld id="{486AF098-4E88-4FB4-B061-84F2E894171B}" type="datetimeFigureOut">
               <a:rPr lang="en-GB" smtClean="0"/>
-              <a:t>28/02/2021</a:t>
+              <a:t>01/03/2021</a:t>
             </a:fld>
             <a:endParaRPr lang="en-GB"/>
           </a:p>
@@ -3600,7 +3589,7 @@
           <a:p>
             <a:fld id="{486AF098-4E88-4FB4-B061-84F2E894171B}" type="datetimeFigureOut">
               <a:rPr lang="en-GB" smtClean="0"/>
-              <a:t>28/02/2021</a:t>
+              <a:t>01/03/2021</a:t>
             </a:fld>
             <a:endParaRPr lang="en-GB"/>
           </a:p>
@@ -3892,7 +3881,7 @@
           <a:p>
             <a:fld id="{486AF098-4E88-4FB4-B061-84F2E894171B}" type="datetimeFigureOut">
               <a:rPr lang="en-GB" smtClean="0"/>
-              <a:t>28/02/2021</a:t>
+              <a:t>01/03/2021</a:t>
             </a:fld>
             <a:endParaRPr lang="en-GB"/>
           </a:p>
@@ -4330,7 +4319,7 @@
           <a:p>
             <a:fld id="{486AF098-4E88-4FB4-B061-84F2E894171B}" type="datetimeFigureOut">
               <a:rPr lang="en-GB" smtClean="0"/>
-              <a:t>28/02/2021</a:t>
+              <a:t>01/03/2021</a:t>
             </a:fld>
             <a:endParaRPr lang="en-GB"/>
           </a:p>
@@ -4448,7 +4437,7 @@
           <a:p>
             <a:fld id="{486AF098-4E88-4FB4-B061-84F2E894171B}" type="datetimeFigureOut">
               <a:rPr lang="en-GB" smtClean="0"/>
-              <a:t>28/02/2021</a:t>
+              <a:t>01/03/2021</a:t>
             </a:fld>
             <a:endParaRPr lang="en-GB"/>
           </a:p>
@@ -4543,7 +4532,7 @@
           <a:p>
             <a:fld id="{486AF098-4E88-4FB4-B061-84F2E894171B}" type="datetimeFigureOut">
               <a:rPr lang="en-GB" smtClean="0"/>
-              <a:t>28/02/2021</a:t>
+              <a:t>01/03/2021</a:t>
             </a:fld>
             <a:endParaRPr lang="en-GB"/>
           </a:p>
@@ -4822,7 +4811,7 @@
           <a:p>
             <a:fld id="{486AF098-4E88-4FB4-B061-84F2E894171B}" type="datetimeFigureOut">
               <a:rPr lang="en-GB" smtClean="0"/>
-              <a:t>28/02/2021</a:t>
+              <a:t>01/03/2021</a:t>
             </a:fld>
             <a:endParaRPr lang="en-GB"/>
           </a:p>
@@ -5097,7 +5086,7 @@
           <a:p>
             <a:fld id="{486AF098-4E88-4FB4-B061-84F2E894171B}" type="datetimeFigureOut">
               <a:rPr lang="en-GB" smtClean="0"/>
-              <a:t>28/02/2021</a:t>
+              <a:t>01/03/2021</a:t>
             </a:fld>
             <a:endParaRPr lang="en-GB"/>
           </a:p>
@@ -5526,7 +5515,7 @@
           <a:p>
             <a:fld id="{486AF098-4E88-4FB4-B061-84F2E894171B}" type="datetimeFigureOut">
               <a:rPr lang="en-GB" smtClean="0"/>
-              <a:t>28/02/2021</a:t>
+              <a:t>01/03/2021</a:t>
             </a:fld>
             <a:endParaRPr lang="en-GB"/>
           </a:p>
@@ -6169,8 +6158,8 @@
         </p:nvSpPr>
         <p:spPr>
           <a:xfrm>
-            <a:off x="4005165" y="2187405"/>
-            <a:ext cx="6162868" cy="369332"/>
+            <a:off x="4005163" y="2291106"/>
+            <a:ext cx="7679611" cy="584775"/>
           </a:xfrm>
           <a:prstGeom prst="rect">
             <a:avLst/>
@@ -6184,14 +6173,26 @@
           <a:lstStyle/>
           <a:p>
             <a:r>
+              <a:rPr lang="en-GB" sz="3200" dirty="0"/>
+              <a:t>BACK-END </a:t>
+            </a:r>
+            <a:r>
               <a:rPr lang="en-GB" dirty="0"/>
-              <a:t>SVILUPPATORE BACK-END / </a:t>
-            </a:r>
-            <a:r>
-              <a:rPr lang="en-GB" sz="1100" dirty="0"/>
-              <a:t>FRONT-END</a:t>
-            </a:r>
-            <a:endParaRPr lang="en-GB" sz="1600" dirty="0"/>
+              <a:t>(</a:t>
+            </a:r>
+            <a:r>
+              <a:rPr lang="en-GB" sz="1600" dirty="0"/>
+              <a:t>AND A LITTLE FRONT-END</a:t>
+            </a:r>
+            <a:r>
+              <a:rPr lang="en-GB" dirty="0"/>
+              <a:t>) </a:t>
+            </a:r>
+            <a:r>
+              <a:rPr lang="en-GB" sz="3200" dirty="0"/>
+              <a:t>DEVELOPER</a:t>
+            </a:r>
+            <a:endParaRPr lang="en-GB" sz="2800" dirty="0"/>
           </a:p>
         </p:txBody>
       </p:sp>
@@ -6209,8 +6210,8 @@
         </p:nvSpPr>
         <p:spPr>
           <a:xfrm>
-            <a:off x="4005163" y="5064421"/>
-            <a:ext cx="8322229" cy="369332"/>
+            <a:off x="274084" y="5876650"/>
+            <a:ext cx="8322229" cy="646331"/>
           </a:xfrm>
           <a:prstGeom prst="rect">
             <a:avLst/>
@@ -6229,8 +6230,18 @@
             </a:r>
             <a:r>
               <a:rPr lang="en-GB" dirty="0"/>
-              <a:t> https://connect.garmin.com/modern/profile/FrancescoBasco</a:t>
-            </a:r>
+              <a:t> </a:t>
+            </a:r>
+            <a:r>
+              <a:rPr lang="en-GB" dirty="0">
+                <a:hlinkClick r:id="rId4"/>
+              </a:rPr>
+              <a:t>https://connect.garmin.com/modern/profile/FrancescoBasco</a:t>
+            </a:r>
+            <a:br>
+              <a:rPr lang="en-GB" dirty="0"/>
+            </a:br>
+            <a:endParaRPr lang="en-GB" dirty="0"/>
           </a:p>
         </p:txBody>
       </p:sp>
@@ -6248,8 +6259,8 @@
         </p:nvSpPr>
         <p:spPr>
           <a:xfrm>
-            <a:off x="4005165" y="2906659"/>
-            <a:ext cx="7462157" cy="369332"/>
+            <a:off x="274085" y="3718888"/>
+            <a:ext cx="7462157" cy="646331"/>
           </a:xfrm>
           <a:prstGeom prst="rect">
             <a:avLst/>
@@ -6268,8 +6279,18 @@
             </a:r>
             <a:r>
               <a:rPr lang="en-GB" dirty="0"/>
-              <a:t>: https://github.com/fbasco81</a:t>
-            </a:r>
+              <a:t>: </a:t>
+            </a:r>
+            <a:r>
+              <a:rPr lang="en-GB" dirty="0">
+                <a:hlinkClick r:id="rId5"/>
+              </a:rPr>
+              <a:t>https://github.com/fbasco81</a:t>
+            </a:r>
+            <a:br>
+              <a:rPr lang="en-GB" dirty="0"/>
+            </a:br>
+            <a:endParaRPr lang="en-GB" dirty="0"/>
           </a:p>
         </p:txBody>
       </p:sp>
@@ -6287,7 +6308,7 @@
         </p:nvSpPr>
         <p:spPr>
           <a:xfrm>
-            <a:off x="4005164" y="3625913"/>
+            <a:off x="274085" y="4438142"/>
             <a:ext cx="7462157" cy="369332"/>
           </a:xfrm>
           <a:prstGeom prst="rect">
@@ -6303,7 +6324,7 @@
           <a:p>
             <a:r>
               <a:rPr lang="en-GB" b="1" dirty="0">
-                <a:hlinkClick r:id="rId4">
+                <a:hlinkClick r:id="rId6">
                   <a:extLst>
                     <a:ext uri="{A12FA001-AC4F-418D-AE19-62706E023703}">
                       <ahyp:hlinkClr xmlns:ahyp="http://schemas.microsoft.com/office/drawing/2018/hyperlinkcolor" val="tx"/>
@@ -6318,7 +6339,7 @@
                 <a:solidFill>
                   <a:srgbClr val="C4E46E"/>
                 </a:solidFill>
-                <a:hlinkClick r:id="rId4">
+                <a:hlinkClick r:id="rId6">
                   <a:extLst>
                     <a:ext uri="{A12FA001-AC4F-418D-AE19-62706E023703}">
                       <ahyp:hlinkClr xmlns:ahyp="http://schemas.microsoft.com/office/drawing/2018/hyperlinkcolor" val="tx"/>
@@ -6349,8 +6370,8 @@
         </p:nvSpPr>
         <p:spPr>
           <a:xfrm>
-            <a:off x="4005164" y="4345167"/>
-            <a:ext cx="8322229" cy="369332"/>
+            <a:off x="274085" y="5157396"/>
+            <a:ext cx="8322229" cy="646331"/>
           </a:xfrm>
           <a:prstGeom prst="rect">
             <a:avLst/>
@@ -6369,8 +6390,18 @@
             </a:r>
             <a:r>
               <a:rPr lang="en-GB" dirty="0"/>
-              <a:t> https://www.facebook.com/francesco.basco.9</a:t>
-            </a:r>
+              <a:t> </a:t>
+            </a:r>
+            <a:r>
+              <a:rPr lang="en-GB" dirty="0">
+                <a:hlinkClick r:id="rId7"/>
+              </a:rPr>
+              <a:t>https://www.facebook.com/francesco.basco.9</a:t>
+            </a:r>
+            <a:br>
+              <a:rPr lang="en-GB" dirty="0"/>
+            </a:br>
+            <a:endParaRPr lang="en-GB" dirty="0"/>
           </a:p>
         </p:txBody>
       </p:sp>
@@ -6378,767 +6409,6 @@
     <p:extLst>
       <p:ext uri="{BB962C8B-B14F-4D97-AF65-F5344CB8AC3E}">
         <p14:creationId xmlns:p14="http://schemas.microsoft.com/office/powerpoint/2010/main" val="3790350290"/>
-      </p:ext>
-    </p:extLst>
-  </p:cSld>
-  <p:clrMapOvr>
-    <a:masterClrMapping/>
-  </p:clrMapOvr>
-</p:sld>
-</file>
-
-<file path=ppt/slides/slide10.xml><?xml version="1.0" encoding="utf-8"?>
-<p:sld xmlns:a="http://schemas.openxmlformats.org/drawingml/2006/main" xmlns:r="http://schemas.openxmlformats.org/officeDocument/2006/relationships" xmlns:p="http://schemas.openxmlformats.org/presentationml/2006/main">
-  <p:cSld>
-    <p:spTree>
-      <p:nvGrpSpPr>
-        <p:cNvPr id="1" name=""/>
-        <p:cNvGrpSpPr/>
-        <p:nvPr/>
-      </p:nvGrpSpPr>
-      <p:grpSpPr>
-        <a:xfrm>
-          <a:off x="0" y="0"/>
-          <a:ext cx="0" cy="0"/>
-          <a:chOff x="0" y="0"/>
-          <a:chExt cx="0" cy="0"/>
-        </a:xfrm>
-      </p:grpSpPr>
-      <p:sp>
-        <p:nvSpPr>
-          <p:cNvPr id="2" name="Title 1">
-            <a:extLst>
-              <a:ext uri="{FF2B5EF4-FFF2-40B4-BE49-F238E27FC236}">
-                <a16:creationId xmlns:a16="http://schemas.microsoft.com/office/drawing/2014/main" id="{6B33233C-47B9-48B0-B2F6-FD0AAD52B506}"/>
-              </a:ext>
-            </a:extLst>
-          </p:cNvPr>
-          <p:cNvSpPr>
-            <a:spLocks noGrp="1"/>
-          </p:cNvSpPr>
-          <p:nvPr>
-            <p:ph type="title"/>
-          </p:nvPr>
-        </p:nvSpPr>
-        <p:spPr/>
-        <p:txBody>
-          <a:bodyPr/>
-          <a:lstStyle/>
-          <a:p>
-            <a:r>
-              <a:rPr lang="en-GB" dirty="0"/>
-              <a:t>Configuration	</a:t>
-            </a:r>
-          </a:p>
-        </p:txBody>
-      </p:sp>
-      <p:sp>
-        <p:nvSpPr>
-          <p:cNvPr id="3" name="Content Placeholder 2">
-            <a:extLst>
-              <a:ext uri="{FF2B5EF4-FFF2-40B4-BE49-F238E27FC236}">
-                <a16:creationId xmlns:a16="http://schemas.microsoft.com/office/drawing/2014/main" id="{07E38322-CBF9-4CE8-BBE1-BEEBD6B39010}"/>
-              </a:ext>
-            </a:extLst>
-          </p:cNvPr>
-          <p:cNvSpPr>
-            <a:spLocks noGrp="1"/>
-          </p:cNvSpPr>
-          <p:nvPr>
-            <p:ph idx="1"/>
-          </p:nvPr>
-        </p:nvSpPr>
-        <p:spPr/>
-        <p:txBody>
-          <a:bodyPr/>
-          <a:lstStyle/>
-          <a:p>
-            <a:r>
-              <a:rPr lang="en-GB" dirty="0" err="1"/>
-              <a:t>Hocon</a:t>
-            </a:r>
-            <a:r>
-              <a:rPr lang="en-GB" dirty="0"/>
-              <a:t> config</a:t>
-            </a:r>
-          </a:p>
-        </p:txBody>
-      </p:sp>
-    </p:spTree>
-    <p:extLst>
-      <p:ext uri="{BB962C8B-B14F-4D97-AF65-F5344CB8AC3E}">
-        <p14:creationId xmlns:p14="http://schemas.microsoft.com/office/powerpoint/2010/main" val="2057492984"/>
-      </p:ext>
-    </p:extLst>
-  </p:cSld>
-  <p:clrMapOvr>
-    <a:masterClrMapping/>
-  </p:clrMapOvr>
-</p:sld>
-</file>
-
-<file path=ppt/slides/slide11.xml><?xml version="1.0" encoding="utf-8"?>
-<p:sld xmlns:a="http://schemas.openxmlformats.org/drawingml/2006/main" xmlns:r="http://schemas.openxmlformats.org/officeDocument/2006/relationships" xmlns:p="http://schemas.openxmlformats.org/presentationml/2006/main">
-  <p:cSld>
-    <p:spTree>
-      <p:nvGrpSpPr>
-        <p:cNvPr id="1" name=""/>
-        <p:cNvGrpSpPr/>
-        <p:nvPr/>
-      </p:nvGrpSpPr>
-      <p:grpSpPr>
-        <a:xfrm>
-          <a:off x="0" y="0"/>
-          <a:ext cx="0" cy="0"/>
-          <a:chOff x="0" y="0"/>
-          <a:chExt cx="0" cy="0"/>
-        </a:xfrm>
-      </p:grpSpPr>
-      <p:sp>
-        <p:nvSpPr>
-          <p:cNvPr id="2" name="Title 1">
-            <a:extLst>
-              <a:ext uri="{FF2B5EF4-FFF2-40B4-BE49-F238E27FC236}">
-                <a16:creationId xmlns:a16="http://schemas.microsoft.com/office/drawing/2014/main" id="{AA682269-E446-4719-ADD6-3D2A1CD9210C}"/>
-              </a:ext>
-            </a:extLst>
-          </p:cNvPr>
-          <p:cNvSpPr>
-            <a:spLocks noGrp="1"/>
-          </p:cNvSpPr>
-          <p:nvPr>
-            <p:ph type="title"/>
-          </p:nvPr>
-        </p:nvSpPr>
-        <p:spPr/>
-        <p:txBody>
-          <a:bodyPr/>
-          <a:lstStyle/>
-          <a:p>
-            <a:r>
-              <a:rPr lang="en-GB" dirty="0"/>
-              <a:t>Scheduling</a:t>
-            </a:r>
-          </a:p>
-        </p:txBody>
-      </p:sp>
-      <p:sp>
-        <p:nvSpPr>
-          <p:cNvPr id="3" name="Content Placeholder 2">
-            <a:extLst>
-              <a:ext uri="{FF2B5EF4-FFF2-40B4-BE49-F238E27FC236}">
-                <a16:creationId xmlns:a16="http://schemas.microsoft.com/office/drawing/2014/main" id="{F5DFAA06-2CFD-4D1D-B23C-A6F127F5469B}"/>
-              </a:ext>
-            </a:extLst>
-          </p:cNvPr>
-          <p:cNvSpPr>
-            <a:spLocks noGrp="1"/>
-          </p:cNvSpPr>
-          <p:nvPr>
-            <p:ph idx="1"/>
-          </p:nvPr>
-        </p:nvSpPr>
-        <p:spPr/>
-        <p:txBody>
-          <a:bodyPr/>
-          <a:lstStyle/>
-          <a:p>
-            <a:endParaRPr lang="en-GB"/>
-          </a:p>
-        </p:txBody>
-      </p:sp>
-    </p:spTree>
-    <p:extLst>
-      <p:ext uri="{BB962C8B-B14F-4D97-AF65-F5344CB8AC3E}">
-        <p14:creationId xmlns:p14="http://schemas.microsoft.com/office/powerpoint/2010/main" val="313419108"/>
-      </p:ext>
-    </p:extLst>
-  </p:cSld>
-  <p:clrMapOvr>
-    <a:masterClrMapping/>
-  </p:clrMapOvr>
-</p:sld>
-</file>
-
-<file path=ppt/slides/slide12.xml><?xml version="1.0" encoding="utf-8"?>
-<p:sld xmlns:a="http://schemas.openxmlformats.org/drawingml/2006/main" xmlns:r="http://schemas.openxmlformats.org/officeDocument/2006/relationships" xmlns:p="http://schemas.openxmlformats.org/presentationml/2006/main">
-  <p:cSld>
-    <p:spTree>
-      <p:nvGrpSpPr>
-        <p:cNvPr id="1" name=""/>
-        <p:cNvGrpSpPr/>
-        <p:nvPr/>
-      </p:nvGrpSpPr>
-      <p:grpSpPr>
-        <a:xfrm>
-          <a:off x="0" y="0"/>
-          <a:ext cx="0" cy="0"/>
-          <a:chOff x="0" y="0"/>
-          <a:chExt cx="0" cy="0"/>
-        </a:xfrm>
-      </p:grpSpPr>
-      <p:sp>
-        <p:nvSpPr>
-          <p:cNvPr id="2" name="Title 1">
-            <a:extLst>
-              <a:ext uri="{FF2B5EF4-FFF2-40B4-BE49-F238E27FC236}">
-                <a16:creationId xmlns:a16="http://schemas.microsoft.com/office/drawing/2014/main" id="{BBEFAD5A-AE44-4DD5-B2EC-C4175186FCBE}"/>
-              </a:ext>
-            </a:extLst>
-          </p:cNvPr>
-          <p:cNvSpPr>
-            <a:spLocks noGrp="1"/>
-          </p:cNvSpPr>
-          <p:nvPr>
-            <p:ph type="title"/>
-          </p:nvPr>
-        </p:nvSpPr>
-        <p:spPr/>
-        <p:txBody>
-          <a:bodyPr/>
-          <a:lstStyle/>
-          <a:p>
-            <a:r>
-              <a:rPr lang="en-GB" dirty="0"/>
-              <a:t>Remote</a:t>
-            </a:r>
-          </a:p>
-        </p:txBody>
-      </p:sp>
-      <p:sp>
-        <p:nvSpPr>
-          <p:cNvPr id="3" name="Content Placeholder 2">
-            <a:extLst>
-              <a:ext uri="{FF2B5EF4-FFF2-40B4-BE49-F238E27FC236}">
-                <a16:creationId xmlns:a16="http://schemas.microsoft.com/office/drawing/2014/main" id="{77611517-F25B-4628-A59D-79A662F3A072}"/>
-              </a:ext>
-            </a:extLst>
-          </p:cNvPr>
-          <p:cNvSpPr>
-            <a:spLocks noGrp="1"/>
-          </p:cNvSpPr>
-          <p:nvPr>
-            <p:ph idx="1"/>
-          </p:nvPr>
-        </p:nvSpPr>
-        <p:spPr/>
-        <p:txBody>
-          <a:bodyPr/>
-          <a:lstStyle/>
-          <a:p>
-            <a:endParaRPr lang="en-GB"/>
-          </a:p>
-        </p:txBody>
-      </p:sp>
-    </p:spTree>
-    <p:extLst>
-      <p:ext uri="{BB962C8B-B14F-4D97-AF65-F5344CB8AC3E}">
-        <p14:creationId xmlns:p14="http://schemas.microsoft.com/office/powerpoint/2010/main" val="4206265943"/>
-      </p:ext>
-    </p:extLst>
-  </p:cSld>
-  <p:clrMapOvr>
-    <a:masterClrMapping/>
-  </p:clrMapOvr>
-</p:sld>
-</file>
-
-<file path=ppt/slides/slide13.xml><?xml version="1.0" encoding="utf-8"?>
-<p:sld xmlns:a="http://schemas.openxmlformats.org/drawingml/2006/main" xmlns:r="http://schemas.openxmlformats.org/officeDocument/2006/relationships" xmlns:p="http://schemas.openxmlformats.org/presentationml/2006/main">
-  <p:cSld>
-    <p:spTree>
-      <p:nvGrpSpPr>
-        <p:cNvPr id="1" name=""/>
-        <p:cNvGrpSpPr/>
-        <p:nvPr/>
-      </p:nvGrpSpPr>
-      <p:grpSpPr>
-        <a:xfrm>
-          <a:off x="0" y="0"/>
-          <a:ext cx="0" cy="0"/>
-          <a:chOff x="0" y="0"/>
-          <a:chExt cx="0" cy="0"/>
-        </a:xfrm>
-      </p:grpSpPr>
-      <p:sp>
-        <p:nvSpPr>
-          <p:cNvPr id="2" name="Title 1">
-            <a:extLst>
-              <a:ext uri="{FF2B5EF4-FFF2-40B4-BE49-F238E27FC236}">
-                <a16:creationId xmlns:a16="http://schemas.microsoft.com/office/drawing/2014/main" id="{91F41E00-373B-4862-BF13-EE3D9B42D10E}"/>
-              </a:ext>
-            </a:extLst>
-          </p:cNvPr>
-          <p:cNvSpPr>
-            <a:spLocks noGrp="1"/>
-          </p:cNvSpPr>
-          <p:nvPr>
-            <p:ph type="title"/>
-          </p:nvPr>
-        </p:nvSpPr>
-        <p:spPr/>
-        <p:txBody>
-          <a:bodyPr/>
-          <a:lstStyle/>
-          <a:p>
-            <a:r>
-              <a:rPr lang="en-GB" dirty="0"/>
-              <a:t>Scaling</a:t>
-            </a:r>
-          </a:p>
-        </p:txBody>
-      </p:sp>
-      <p:sp>
-        <p:nvSpPr>
-          <p:cNvPr id="3" name="Content Placeholder 2">
-            <a:extLst>
-              <a:ext uri="{FF2B5EF4-FFF2-40B4-BE49-F238E27FC236}">
-                <a16:creationId xmlns:a16="http://schemas.microsoft.com/office/drawing/2014/main" id="{6F284EBA-8E31-4385-883A-FE0BCF640A04}"/>
-              </a:ext>
-            </a:extLst>
-          </p:cNvPr>
-          <p:cNvSpPr>
-            <a:spLocks noGrp="1"/>
-          </p:cNvSpPr>
-          <p:nvPr>
-            <p:ph idx="1"/>
-          </p:nvPr>
-        </p:nvSpPr>
-        <p:spPr/>
-        <p:txBody>
-          <a:bodyPr/>
-          <a:lstStyle/>
-          <a:p>
-            <a:endParaRPr lang="en-GB"/>
-          </a:p>
-        </p:txBody>
-      </p:sp>
-    </p:spTree>
-    <p:extLst>
-      <p:ext uri="{BB962C8B-B14F-4D97-AF65-F5344CB8AC3E}">
-        <p14:creationId xmlns:p14="http://schemas.microsoft.com/office/powerpoint/2010/main" val="3498539778"/>
-      </p:ext>
-    </p:extLst>
-  </p:cSld>
-  <p:clrMapOvr>
-    <a:masterClrMapping/>
-  </p:clrMapOvr>
-</p:sld>
-</file>
-
-<file path=ppt/slides/slide14.xml><?xml version="1.0" encoding="utf-8"?>
-<p:sld xmlns:a="http://schemas.openxmlformats.org/drawingml/2006/main" xmlns:r="http://schemas.openxmlformats.org/officeDocument/2006/relationships" xmlns:p="http://schemas.openxmlformats.org/presentationml/2006/main">
-  <p:cSld>
-    <p:spTree>
-      <p:nvGrpSpPr>
-        <p:cNvPr id="1" name=""/>
-        <p:cNvGrpSpPr/>
-        <p:nvPr/>
-      </p:nvGrpSpPr>
-      <p:grpSpPr>
-        <a:xfrm>
-          <a:off x="0" y="0"/>
-          <a:ext cx="0" cy="0"/>
-          <a:chOff x="0" y="0"/>
-          <a:chExt cx="0" cy="0"/>
-        </a:xfrm>
-      </p:grpSpPr>
-      <p:sp>
-        <p:nvSpPr>
-          <p:cNvPr id="2" name="Title 1">
-            <a:extLst>
-              <a:ext uri="{FF2B5EF4-FFF2-40B4-BE49-F238E27FC236}">
-                <a16:creationId xmlns:a16="http://schemas.microsoft.com/office/drawing/2014/main" id="{2781A325-8C1C-4FD2-ACF0-F733632B8FEA}"/>
-              </a:ext>
-            </a:extLst>
-          </p:cNvPr>
-          <p:cNvSpPr>
-            <a:spLocks noGrp="1"/>
-          </p:cNvSpPr>
-          <p:nvPr>
-            <p:ph type="title"/>
-          </p:nvPr>
-        </p:nvSpPr>
-        <p:spPr/>
-        <p:txBody>
-          <a:bodyPr/>
-          <a:lstStyle/>
-          <a:p>
-            <a:r>
-              <a:rPr lang="en-GB" dirty="0"/>
-              <a:t>Routing</a:t>
-            </a:r>
-          </a:p>
-        </p:txBody>
-      </p:sp>
-      <p:sp>
-        <p:nvSpPr>
-          <p:cNvPr id="3" name="Content Placeholder 2">
-            <a:extLst>
-              <a:ext uri="{FF2B5EF4-FFF2-40B4-BE49-F238E27FC236}">
-                <a16:creationId xmlns:a16="http://schemas.microsoft.com/office/drawing/2014/main" id="{E25B4924-6572-4210-90DB-7DEE7C97EB34}"/>
-              </a:ext>
-            </a:extLst>
-          </p:cNvPr>
-          <p:cNvSpPr>
-            <a:spLocks noGrp="1"/>
-          </p:cNvSpPr>
-          <p:nvPr>
-            <p:ph idx="1"/>
-          </p:nvPr>
-        </p:nvSpPr>
-        <p:spPr/>
-        <p:txBody>
-          <a:bodyPr/>
-          <a:lstStyle/>
-          <a:p>
-            <a:endParaRPr lang="en-GB"/>
-          </a:p>
-        </p:txBody>
-      </p:sp>
-    </p:spTree>
-    <p:extLst>
-      <p:ext uri="{BB962C8B-B14F-4D97-AF65-F5344CB8AC3E}">
-        <p14:creationId xmlns:p14="http://schemas.microsoft.com/office/powerpoint/2010/main" val="1864720390"/>
-      </p:ext>
-    </p:extLst>
-  </p:cSld>
-  <p:clrMapOvr>
-    <a:masterClrMapping/>
-  </p:clrMapOvr>
-</p:sld>
-</file>
-
-<file path=ppt/slides/slide15.xml><?xml version="1.0" encoding="utf-8"?>
-<p:sld xmlns:a="http://schemas.openxmlformats.org/drawingml/2006/main" xmlns:r="http://schemas.openxmlformats.org/officeDocument/2006/relationships" xmlns:p="http://schemas.openxmlformats.org/presentationml/2006/main">
-  <p:cSld>
-    <p:spTree>
-      <p:nvGrpSpPr>
-        <p:cNvPr id="1" name=""/>
-        <p:cNvGrpSpPr/>
-        <p:nvPr/>
-      </p:nvGrpSpPr>
-      <p:grpSpPr>
-        <a:xfrm>
-          <a:off x="0" y="0"/>
-          <a:ext cx="0" cy="0"/>
-          <a:chOff x="0" y="0"/>
-          <a:chExt cx="0" cy="0"/>
-        </a:xfrm>
-      </p:grpSpPr>
-      <p:sp>
-        <p:nvSpPr>
-          <p:cNvPr id="2" name="Title 1">
-            <a:extLst>
-              <a:ext uri="{FF2B5EF4-FFF2-40B4-BE49-F238E27FC236}">
-                <a16:creationId xmlns:a16="http://schemas.microsoft.com/office/drawing/2014/main" id="{42869558-3800-4C7A-8B29-7D337AA80F52}"/>
-              </a:ext>
-            </a:extLst>
-          </p:cNvPr>
-          <p:cNvSpPr>
-            <a:spLocks noGrp="1"/>
-          </p:cNvSpPr>
-          <p:nvPr>
-            <p:ph type="title"/>
-          </p:nvPr>
-        </p:nvSpPr>
-        <p:spPr/>
-        <p:txBody>
-          <a:bodyPr/>
-          <a:lstStyle/>
-          <a:p>
-            <a:r>
-              <a:rPr lang="en-GB" dirty="0"/>
-              <a:t>More…	</a:t>
-            </a:r>
-          </a:p>
-        </p:txBody>
-      </p:sp>
-      <p:sp>
-        <p:nvSpPr>
-          <p:cNvPr id="3" name="Content Placeholder 2">
-            <a:extLst>
-              <a:ext uri="{FF2B5EF4-FFF2-40B4-BE49-F238E27FC236}">
-                <a16:creationId xmlns:a16="http://schemas.microsoft.com/office/drawing/2014/main" id="{18A0D1CB-1A62-4A81-BCED-0DB4171B8EDA}"/>
-              </a:ext>
-            </a:extLst>
-          </p:cNvPr>
-          <p:cNvSpPr>
-            <a:spLocks noGrp="1"/>
-          </p:cNvSpPr>
-          <p:nvPr>
-            <p:ph idx="1"/>
-          </p:nvPr>
-        </p:nvSpPr>
-        <p:spPr/>
-        <p:txBody>
-          <a:bodyPr/>
-          <a:lstStyle/>
-          <a:p>
-            <a:r>
-              <a:rPr lang="en-GB" dirty="0"/>
-              <a:t>Persistence</a:t>
-            </a:r>
-          </a:p>
-          <a:p>
-            <a:r>
-              <a:rPr lang="en-GB" dirty="0"/>
-              <a:t>Clustering</a:t>
-            </a:r>
-          </a:p>
-          <a:p>
-            <a:r>
-              <a:rPr lang="en-GB" dirty="0"/>
-              <a:t>Streaming</a:t>
-            </a:r>
-          </a:p>
-        </p:txBody>
-      </p:sp>
-    </p:spTree>
-    <p:extLst>
-      <p:ext uri="{BB962C8B-B14F-4D97-AF65-F5344CB8AC3E}">
-        <p14:creationId xmlns:p14="http://schemas.microsoft.com/office/powerpoint/2010/main" val="2660278378"/>
-      </p:ext>
-    </p:extLst>
-  </p:cSld>
-  <p:clrMapOvr>
-    <a:masterClrMapping/>
-  </p:clrMapOvr>
-</p:sld>
-</file>
-
-<file path=ppt/slides/slide16.xml><?xml version="1.0" encoding="utf-8"?>
-<p:sld xmlns:a="http://schemas.openxmlformats.org/drawingml/2006/main" xmlns:r="http://schemas.openxmlformats.org/officeDocument/2006/relationships" xmlns:p="http://schemas.openxmlformats.org/presentationml/2006/main">
-  <p:cSld>
-    <p:spTree>
-      <p:nvGrpSpPr>
-        <p:cNvPr id="1" name=""/>
-        <p:cNvGrpSpPr/>
-        <p:nvPr/>
-      </p:nvGrpSpPr>
-      <p:grpSpPr>
-        <a:xfrm>
-          <a:off x="0" y="0"/>
-          <a:ext cx="0" cy="0"/>
-          <a:chOff x="0" y="0"/>
-          <a:chExt cx="0" cy="0"/>
-        </a:xfrm>
-      </p:grpSpPr>
-      <p:sp>
-        <p:nvSpPr>
-          <p:cNvPr id="2" name="Title 1">
-            <a:extLst>
-              <a:ext uri="{FF2B5EF4-FFF2-40B4-BE49-F238E27FC236}">
-                <a16:creationId xmlns:a16="http://schemas.microsoft.com/office/drawing/2014/main" id="{42869558-3800-4C7A-8B29-7D337AA80F52}"/>
-              </a:ext>
-            </a:extLst>
-          </p:cNvPr>
-          <p:cNvSpPr>
-            <a:spLocks noGrp="1"/>
-          </p:cNvSpPr>
-          <p:nvPr>
-            <p:ph type="title"/>
-          </p:nvPr>
-        </p:nvSpPr>
-        <p:spPr/>
-        <p:txBody>
-          <a:bodyPr/>
-          <a:lstStyle/>
-          <a:p>
-            <a:r>
-              <a:rPr lang="en-GB" dirty="0"/>
-              <a:t>Caso </a:t>
-            </a:r>
-            <a:r>
-              <a:rPr lang="en-GB" dirty="0" err="1"/>
-              <a:t>d’uso</a:t>
-            </a:r>
-            <a:r>
-              <a:rPr lang="en-GB" dirty="0"/>
-              <a:t> </a:t>
-            </a:r>
-            <a:r>
-              <a:rPr lang="en-GB" dirty="0" err="1"/>
-              <a:t>reale</a:t>
-            </a:r>
-            <a:endParaRPr lang="en-GB" dirty="0"/>
-          </a:p>
-        </p:txBody>
-      </p:sp>
-      <p:sp>
-        <p:nvSpPr>
-          <p:cNvPr id="3" name="Content Placeholder 2">
-            <a:extLst>
-              <a:ext uri="{FF2B5EF4-FFF2-40B4-BE49-F238E27FC236}">
-                <a16:creationId xmlns:a16="http://schemas.microsoft.com/office/drawing/2014/main" id="{18A0D1CB-1A62-4A81-BCED-0DB4171B8EDA}"/>
-              </a:ext>
-            </a:extLst>
-          </p:cNvPr>
-          <p:cNvSpPr>
-            <a:spLocks noGrp="1"/>
-          </p:cNvSpPr>
-          <p:nvPr>
-            <p:ph idx="1"/>
-          </p:nvPr>
-        </p:nvSpPr>
-        <p:spPr/>
-        <p:txBody>
-          <a:bodyPr>
-            <a:normAutofit/>
-          </a:bodyPr>
-          <a:lstStyle/>
-          <a:p>
-            <a:r>
-              <a:rPr lang="en-GB" dirty="0" err="1"/>
-              <a:t>Migrazione</a:t>
-            </a:r>
-            <a:r>
-              <a:rPr lang="en-GB" dirty="0"/>
-              <a:t> </a:t>
-            </a:r>
-            <a:r>
-              <a:rPr lang="en-GB" dirty="0" err="1"/>
-              <a:t>utenti</a:t>
-            </a:r>
-            <a:r>
-              <a:rPr lang="en-GB" dirty="0"/>
-              <a:t> </a:t>
-            </a:r>
-            <a:r>
-              <a:rPr lang="en-GB" dirty="0" err="1"/>
-              <a:t>su</a:t>
-            </a:r>
-            <a:r>
-              <a:rPr lang="en-GB" dirty="0"/>
-              <a:t> Azure B2C</a:t>
-            </a:r>
-          </a:p>
-          <a:p>
-            <a:r>
-              <a:rPr lang="en-GB" b="0" i="0" dirty="0">
-                <a:solidFill>
-                  <a:srgbClr val="333333"/>
-                </a:solidFill>
-                <a:effectLst/>
-                <a:latin typeface="Helvetica Neue"/>
-              </a:rPr>
-              <a:t>~ 160 000 users</a:t>
-            </a:r>
-          </a:p>
-          <a:p>
-            <a:endParaRPr lang="en-GB" dirty="0">
-              <a:solidFill>
-                <a:srgbClr val="333333"/>
-              </a:solidFill>
-              <a:latin typeface="Helvetica Neue"/>
-            </a:endParaRPr>
-          </a:p>
-          <a:p>
-            <a:r>
-              <a:rPr lang="en-GB" dirty="0">
-                <a:solidFill>
-                  <a:srgbClr val="333333"/>
-                </a:solidFill>
-                <a:latin typeface="Helvetica Neue"/>
-              </a:rPr>
-              <a:t>Primo </a:t>
-            </a:r>
-            <a:r>
-              <a:rPr lang="en-GB" dirty="0" err="1">
-                <a:solidFill>
-                  <a:srgbClr val="333333"/>
-                </a:solidFill>
-                <a:latin typeface="Helvetica Neue"/>
-              </a:rPr>
-              <a:t>prototipo</a:t>
-            </a:r>
-            <a:r>
-              <a:rPr lang="en-GB" dirty="0">
-                <a:solidFill>
-                  <a:srgbClr val="333333"/>
-                </a:solidFill>
-                <a:latin typeface="Helvetica Neue"/>
-              </a:rPr>
-              <a:t> (no Akka.net)</a:t>
-            </a:r>
-          </a:p>
-          <a:p>
-            <a:pPr lvl="1"/>
-            <a:r>
-              <a:rPr lang="en-GB" dirty="0">
-                <a:solidFill>
-                  <a:srgbClr val="333333"/>
-                </a:solidFill>
-                <a:latin typeface="Helvetica Neue"/>
-              </a:rPr>
-              <a:t>8 user / sec = </a:t>
-            </a:r>
-          </a:p>
-          <a:p>
-            <a:r>
-              <a:rPr lang="en-GB" dirty="0">
-                <a:solidFill>
-                  <a:srgbClr val="333333"/>
-                </a:solidFill>
-                <a:latin typeface="Helvetica Neue"/>
-              </a:rPr>
-              <a:t> </a:t>
-            </a:r>
-            <a:r>
-              <a:rPr lang="en-GB" dirty="0" err="1">
-                <a:solidFill>
-                  <a:srgbClr val="333333"/>
-                </a:solidFill>
-                <a:latin typeface="Helvetica Neue"/>
-              </a:rPr>
-              <a:t>Versione</a:t>
-            </a:r>
-            <a:r>
-              <a:rPr lang="en-GB" dirty="0">
-                <a:solidFill>
-                  <a:srgbClr val="333333"/>
-                </a:solidFill>
-                <a:latin typeface="Helvetica Neue"/>
-              </a:rPr>
-              <a:t> finale (con Akka.net)</a:t>
-            </a:r>
-          </a:p>
-          <a:p>
-            <a:pPr lvl="1"/>
-            <a:r>
-              <a:rPr lang="en-GB" dirty="0">
-                <a:solidFill>
-                  <a:srgbClr val="333333"/>
-                </a:solidFill>
-                <a:latin typeface="Helvetica Neue"/>
-              </a:rPr>
-              <a:t>60 user / sec = </a:t>
-            </a:r>
-            <a:br>
-              <a:rPr lang="en-GB" dirty="0">
-                <a:solidFill>
-                  <a:srgbClr val="333333"/>
-                </a:solidFill>
-                <a:latin typeface="Helvetica Neue"/>
-              </a:rPr>
-            </a:br>
-            <a:r>
-              <a:rPr lang="en-GB" dirty="0">
-                <a:solidFill>
-                  <a:srgbClr val="333333"/>
-                </a:solidFill>
-                <a:latin typeface="Helvetica Neue"/>
-              </a:rPr>
-              <a:t>		</a:t>
-            </a:r>
-            <a:endParaRPr lang="en-GB" dirty="0"/>
-          </a:p>
-        </p:txBody>
-      </p:sp>
-    </p:spTree>
-    <p:extLst>
-      <p:ext uri="{BB962C8B-B14F-4D97-AF65-F5344CB8AC3E}">
-        <p14:creationId xmlns:p14="http://schemas.microsoft.com/office/powerpoint/2010/main" val="2815286423"/>
       </p:ext>
     </p:extLst>
   </p:cSld>
@@ -7268,8 +6538,8 @@
         </p:nvSpPr>
         <p:spPr>
           <a:xfrm>
-            <a:off x="608823" y="1690188"/>
-            <a:ext cx="6162868" cy="338554"/>
+            <a:off x="608823" y="2548746"/>
+            <a:ext cx="6162868" cy="584775"/>
           </a:xfrm>
           <a:prstGeom prst="rect">
             <a:avLst/>
@@ -7284,39 +6554,8 @@
           <a:p>
             <a:r>
               <a:rPr lang="en-GB" sz="1600" dirty="0"/>
-              <a:t>.NET Core Console Application</a:t>
-            </a:r>
-          </a:p>
-        </p:txBody>
-      </p:sp>
-      <p:sp>
-        <p:nvSpPr>
-          <p:cNvPr id="9" name="TextBox 8">
-            <a:extLst>
-              <a:ext uri="{FF2B5EF4-FFF2-40B4-BE49-F238E27FC236}">
-                <a16:creationId xmlns:a16="http://schemas.microsoft.com/office/drawing/2014/main" id="{F8AA4D2C-60C7-4DDA-87A9-CA445DFC1B69}"/>
-              </a:ext>
-            </a:extLst>
-          </p:cNvPr>
-          <p:cNvSpPr txBox="1"/>
-          <p:nvPr/>
-        </p:nvSpPr>
-        <p:spPr>
-          <a:xfrm>
-            <a:off x="608823" y="2299727"/>
-            <a:ext cx="6162868" cy="338554"/>
-          </a:xfrm>
-          <a:prstGeom prst="rect">
-            <a:avLst/>
-          </a:prstGeom>
-          <a:noFill/>
-        </p:spPr>
-        <p:txBody>
-          <a:bodyPr wrap="square">
-            <a:spAutoFit/>
-          </a:bodyPr>
-          <a:lstStyle/>
-          <a:p>
+              <a:t>.NET Core Console Application + </a:t>
+            </a:r>
             <a:r>
               <a:rPr lang="en-GB" sz="1600" dirty="0" err="1"/>
               <a:t>Akka.Net</a:t>
@@ -7325,6 +6564,9 @@
               <a:rPr lang="en-GB" sz="1600" dirty="0"/>
               <a:t> 1.3</a:t>
             </a:r>
+          </a:p>
+          <a:p>
+            <a:endParaRPr lang="en-GB" sz="1600" dirty="0"/>
           </a:p>
         </p:txBody>
       </p:sp>
@@ -7342,8 +6584,8 @@
         </p:nvSpPr>
         <p:spPr>
           <a:xfrm>
-            <a:off x="608823" y="2909266"/>
-            <a:ext cx="6162868" cy="338554"/>
+            <a:off x="608823" y="1673779"/>
+            <a:ext cx="6162868" cy="584775"/>
           </a:xfrm>
           <a:prstGeom prst="rect">
             <a:avLst/>
@@ -7357,21 +6599,454 @@
           <a:lstStyle/>
           <a:p>
             <a:r>
-              <a:rPr lang="en-GB" sz="1600" dirty="0" err="1"/>
-              <a:t>Simulatore</a:t>
-            </a:r>
-            <a:r>
-              <a:rPr lang="en-GB" sz="1600" dirty="0"/>
-              <a:t> </a:t>
-            </a:r>
-            <a:r>
-              <a:rPr lang="en-GB" sz="1600" dirty="0" err="1"/>
-              <a:t>gara</a:t>
-            </a:r>
-            <a:r>
-              <a:rPr lang="en-GB" sz="1600" dirty="0"/>
-              <a:t> di triathlon</a:t>
-            </a:r>
+              <a:rPr lang="en-GB" sz="3200" dirty="0" err="1"/>
+              <a:t>Thriatlon</a:t>
+            </a:r>
+            <a:r>
+              <a:rPr lang="en-GB" sz="3200" dirty="0"/>
+              <a:t> simulation</a:t>
+            </a:r>
+          </a:p>
+        </p:txBody>
+      </p:sp>
+      <p:sp>
+        <p:nvSpPr>
+          <p:cNvPr id="7" name="Content Placeholder 2">
+            <a:extLst>
+              <a:ext uri="{FF2B5EF4-FFF2-40B4-BE49-F238E27FC236}">
+                <a16:creationId xmlns:a16="http://schemas.microsoft.com/office/drawing/2014/main" id="{C447D80A-36F8-429D-BD5F-028B8CA3081B}"/>
+              </a:ext>
+            </a:extLst>
+          </p:cNvPr>
+          <p:cNvSpPr txBox="1">
+            <a:spLocks/>
+          </p:cNvSpPr>
+          <p:nvPr/>
+        </p:nvSpPr>
+        <p:spPr>
+          <a:xfrm>
+            <a:off x="608823" y="3210869"/>
+            <a:ext cx="11201595" cy="2825203"/>
+          </a:xfrm>
+          <a:prstGeom prst="rect">
+            <a:avLst/>
+          </a:prstGeom>
+        </p:spPr>
+        <p:txBody>
+          <a:bodyPr vert="horz" lIns="91440" tIns="45720" rIns="91440" bIns="45720" numCol="2" rtlCol="0" anchor="t">
+            <a:normAutofit lnSpcReduction="10000"/>
+          </a:bodyPr>
+          <a:lstStyle>
+            <a:lvl1pPr marL="0" indent="0" algn="l" defTabSz="457200" rtl="0" eaLnBrk="1" latinLnBrk="0" hangingPunct="1">
+              <a:spcBef>
+                <a:spcPts val="1000"/>
+              </a:spcBef>
+              <a:spcAft>
+                <a:spcPts val="0"/>
+              </a:spcAft>
+              <a:buClr>
+                <a:schemeClr val="accent1"/>
+              </a:buClr>
+              <a:buSzPct val="80000"/>
+              <a:buFont typeface="Wingdings 3" charset="2"/>
+              <a:buNone/>
+              <a:defRPr sz="2000" b="0" i="0" kern="1200" cap="all">
+                <a:solidFill>
+                  <a:schemeClr val="accent1"/>
+                </a:solidFill>
+                <a:latin typeface="+mj-lt"/>
+                <a:ea typeface="+mj-ea"/>
+                <a:cs typeface="+mj-cs"/>
+              </a:defRPr>
+            </a:lvl1pPr>
+            <a:lvl2pPr marL="457200" indent="0" algn="ctr" defTabSz="457200" rtl="0" eaLnBrk="1" latinLnBrk="0" hangingPunct="1">
+              <a:spcBef>
+                <a:spcPts val="1000"/>
+              </a:spcBef>
+              <a:spcAft>
+                <a:spcPts val="0"/>
+              </a:spcAft>
+              <a:buClr>
+                <a:schemeClr val="accent1"/>
+              </a:buClr>
+              <a:buSzPct val="80000"/>
+              <a:buFont typeface="Wingdings 3" charset="2"/>
+              <a:buNone/>
+              <a:defRPr sz="1800" b="0" i="0" kern="1200">
+                <a:solidFill>
+                  <a:schemeClr val="tx1">
+                    <a:tint val="75000"/>
+                  </a:schemeClr>
+                </a:solidFill>
+                <a:latin typeface="+mj-lt"/>
+                <a:ea typeface="+mj-ea"/>
+                <a:cs typeface="+mj-cs"/>
+              </a:defRPr>
+            </a:lvl2pPr>
+            <a:lvl3pPr marL="914400" indent="0" algn="ctr" defTabSz="457200" rtl="0" eaLnBrk="1" latinLnBrk="0" hangingPunct="1">
+              <a:spcBef>
+                <a:spcPts val="1000"/>
+              </a:spcBef>
+              <a:spcAft>
+                <a:spcPts val="0"/>
+              </a:spcAft>
+              <a:buClr>
+                <a:schemeClr val="accent1"/>
+              </a:buClr>
+              <a:buSzPct val="80000"/>
+              <a:buFont typeface="Wingdings 3" charset="2"/>
+              <a:buNone/>
+              <a:defRPr sz="1600" b="0" i="0" kern="1200">
+                <a:solidFill>
+                  <a:schemeClr val="tx1">
+                    <a:tint val="75000"/>
+                  </a:schemeClr>
+                </a:solidFill>
+                <a:latin typeface="+mj-lt"/>
+                <a:ea typeface="+mj-ea"/>
+                <a:cs typeface="+mj-cs"/>
+              </a:defRPr>
+            </a:lvl3pPr>
+            <a:lvl4pPr marL="1371600" indent="0" algn="ctr" defTabSz="457200" rtl="0" eaLnBrk="1" latinLnBrk="0" hangingPunct="1">
+              <a:spcBef>
+                <a:spcPts val="1000"/>
+              </a:spcBef>
+              <a:spcAft>
+                <a:spcPts val="0"/>
+              </a:spcAft>
+              <a:buClr>
+                <a:schemeClr val="accent1"/>
+              </a:buClr>
+              <a:buSzPct val="80000"/>
+              <a:buFont typeface="Wingdings 3" charset="2"/>
+              <a:buNone/>
+              <a:defRPr sz="1400" b="0" i="0" kern="1200">
+                <a:solidFill>
+                  <a:schemeClr val="tx1">
+                    <a:tint val="75000"/>
+                  </a:schemeClr>
+                </a:solidFill>
+                <a:latin typeface="+mj-lt"/>
+                <a:ea typeface="+mj-ea"/>
+                <a:cs typeface="+mj-cs"/>
+              </a:defRPr>
+            </a:lvl4pPr>
+            <a:lvl5pPr marL="1828800" indent="0" algn="ctr" defTabSz="457200" rtl="0" eaLnBrk="1" latinLnBrk="0" hangingPunct="1">
+              <a:spcBef>
+                <a:spcPts val="1000"/>
+              </a:spcBef>
+              <a:spcAft>
+                <a:spcPts val="0"/>
+              </a:spcAft>
+              <a:buClr>
+                <a:schemeClr val="accent1"/>
+              </a:buClr>
+              <a:buSzPct val="80000"/>
+              <a:buFont typeface="Wingdings 3" charset="2"/>
+              <a:buNone/>
+              <a:defRPr sz="1400" b="0" i="0" kern="1200">
+                <a:solidFill>
+                  <a:schemeClr val="tx1">
+                    <a:tint val="75000"/>
+                  </a:schemeClr>
+                </a:solidFill>
+                <a:latin typeface="+mj-lt"/>
+                <a:ea typeface="+mj-ea"/>
+                <a:cs typeface="+mj-cs"/>
+              </a:defRPr>
+            </a:lvl5pPr>
+            <a:lvl6pPr marL="2286000" indent="0" algn="ctr" defTabSz="457200" rtl="0" eaLnBrk="1" latinLnBrk="0" hangingPunct="1">
+              <a:spcBef>
+                <a:spcPts val="1000"/>
+              </a:spcBef>
+              <a:spcAft>
+                <a:spcPts val="0"/>
+              </a:spcAft>
+              <a:buClr>
+                <a:schemeClr val="accent1"/>
+              </a:buClr>
+              <a:buSzPct val="80000"/>
+              <a:buFont typeface="Wingdings 3" charset="2"/>
+              <a:buNone/>
+              <a:defRPr sz="1400" b="0" i="0" kern="1200">
+                <a:solidFill>
+                  <a:schemeClr val="tx1">
+                    <a:tint val="75000"/>
+                  </a:schemeClr>
+                </a:solidFill>
+                <a:latin typeface="+mj-lt"/>
+                <a:ea typeface="+mj-ea"/>
+                <a:cs typeface="+mj-cs"/>
+              </a:defRPr>
+            </a:lvl6pPr>
+            <a:lvl7pPr marL="2743200" indent="0" algn="ctr" defTabSz="457200" rtl="0" eaLnBrk="1" latinLnBrk="0" hangingPunct="1">
+              <a:spcBef>
+                <a:spcPts val="1000"/>
+              </a:spcBef>
+              <a:spcAft>
+                <a:spcPts val="0"/>
+              </a:spcAft>
+              <a:buClr>
+                <a:schemeClr val="accent1"/>
+              </a:buClr>
+              <a:buSzPct val="80000"/>
+              <a:buFont typeface="Wingdings 3" charset="2"/>
+              <a:buNone/>
+              <a:defRPr sz="1400" b="0" i="0" kern="1200">
+                <a:solidFill>
+                  <a:schemeClr val="tx1">
+                    <a:tint val="75000"/>
+                  </a:schemeClr>
+                </a:solidFill>
+                <a:latin typeface="+mj-lt"/>
+                <a:ea typeface="+mj-ea"/>
+                <a:cs typeface="+mj-cs"/>
+              </a:defRPr>
+            </a:lvl7pPr>
+            <a:lvl8pPr marL="3200400" indent="0" algn="ctr" defTabSz="457200" rtl="0" eaLnBrk="1" latinLnBrk="0" hangingPunct="1">
+              <a:spcBef>
+                <a:spcPts val="1000"/>
+              </a:spcBef>
+              <a:spcAft>
+                <a:spcPts val="0"/>
+              </a:spcAft>
+              <a:buClr>
+                <a:schemeClr val="accent1"/>
+              </a:buClr>
+              <a:buSzPct val="80000"/>
+              <a:buFont typeface="Wingdings 3" charset="2"/>
+              <a:buNone/>
+              <a:defRPr sz="1400" b="0" i="0" kern="1200">
+                <a:solidFill>
+                  <a:schemeClr val="tx1">
+                    <a:tint val="75000"/>
+                  </a:schemeClr>
+                </a:solidFill>
+                <a:latin typeface="+mj-lt"/>
+                <a:ea typeface="+mj-ea"/>
+                <a:cs typeface="+mj-cs"/>
+              </a:defRPr>
+            </a:lvl8pPr>
+            <a:lvl9pPr marL="3657600" indent="0" algn="ctr" defTabSz="457200" rtl="0" eaLnBrk="1" latinLnBrk="0" hangingPunct="1">
+              <a:spcBef>
+                <a:spcPts val="1000"/>
+              </a:spcBef>
+              <a:spcAft>
+                <a:spcPts val="0"/>
+              </a:spcAft>
+              <a:buClr>
+                <a:schemeClr val="accent1"/>
+              </a:buClr>
+              <a:buSzPct val="80000"/>
+              <a:buFont typeface="Wingdings 3" charset="2"/>
+              <a:buNone/>
+              <a:defRPr sz="1400" b="0" i="0" kern="1200">
+                <a:solidFill>
+                  <a:schemeClr val="tx1">
+                    <a:tint val="75000"/>
+                  </a:schemeClr>
+                </a:solidFill>
+                <a:latin typeface="+mj-lt"/>
+                <a:ea typeface="+mj-ea"/>
+                <a:cs typeface="+mj-cs"/>
+              </a:defRPr>
+            </a:lvl9pPr>
+          </a:lstStyle>
+          <a:p>
+            <a:pPr marL="342900" indent="-342900">
+              <a:buFont typeface="Arial" panose="020B0604020202020204" pitchFamily="34" charset="0"/>
+              <a:buChar char="•"/>
+            </a:pPr>
+            <a:r>
+              <a:rPr lang="en-GB" b="1" dirty="0">
+                <a:solidFill>
+                  <a:schemeClr val="tx1"/>
+                </a:solidFill>
+              </a:rPr>
+              <a:t>Actor Creation  - Actor Selection</a:t>
+            </a:r>
+          </a:p>
+          <a:p>
+            <a:pPr marL="342900" indent="-342900">
+              <a:buFont typeface="Arial" panose="020B0604020202020204" pitchFamily="34" charset="0"/>
+              <a:buChar char="•"/>
+            </a:pPr>
+            <a:r>
+              <a:rPr lang="en-GB" b="1" dirty="0">
+                <a:solidFill>
+                  <a:schemeClr val="tx1"/>
+                </a:solidFill>
+              </a:rPr>
+              <a:t>Actor Types</a:t>
+            </a:r>
+          </a:p>
+          <a:p>
+            <a:pPr marL="342900" indent="-342900">
+              <a:buFont typeface="Arial" panose="020B0604020202020204" pitchFamily="34" charset="0"/>
+              <a:buChar char="•"/>
+            </a:pPr>
+            <a:r>
+              <a:rPr lang="en-GB" b="1" dirty="0">
+                <a:solidFill>
+                  <a:schemeClr val="tx1"/>
+                </a:solidFill>
+              </a:rPr>
+              <a:t>PROPS</a:t>
+            </a:r>
+          </a:p>
+          <a:p>
+            <a:pPr marL="342900" indent="-342900">
+              <a:buFont typeface="Arial" panose="020B0604020202020204" pitchFamily="34" charset="0"/>
+              <a:buChar char="•"/>
+            </a:pPr>
+            <a:r>
+              <a:rPr lang="en-GB" b="1" dirty="0" err="1">
+                <a:solidFill>
+                  <a:schemeClr val="tx1"/>
+                </a:solidFill>
+              </a:rPr>
+              <a:t>MessageS</a:t>
+            </a:r>
+            <a:endParaRPr lang="en-GB" b="1" dirty="0">
+              <a:solidFill>
+                <a:schemeClr val="tx1"/>
+              </a:solidFill>
+            </a:endParaRPr>
+          </a:p>
+          <a:p>
+            <a:pPr marL="342900" indent="-342900">
+              <a:buFont typeface="Arial" panose="020B0604020202020204" pitchFamily="34" charset="0"/>
+              <a:buChar char="•"/>
+            </a:pPr>
+            <a:r>
+              <a:rPr lang="en-GB" b="1" dirty="0">
+                <a:solidFill>
+                  <a:schemeClr val="tx1"/>
+                </a:solidFill>
+              </a:rPr>
+              <a:t>routing</a:t>
+            </a:r>
+          </a:p>
+          <a:p>
+            <a:pPr marL="342900" indent="-342900">
+              <a:buFont typeface="Arial" panose="020B0604020202020204" pitchFamily="34" charset="0"/>
+              <a:buChar char="•"/>
+            </a:pPr>
+            <a:r>
+              <a:rPr lang="en-GB" b="1" dirty="0">
+                <a:solidFill>
+                  <a:schemeClr val="tx1"/>
+                </a:solidFill>
+              </a:rPr>
+              <a:t>SCHEDULING</a:t>
+            </a:r>
+          </a:p>
+          <a:p>
+            <a:pPr marL="342900" indent="-342900">
+              <a:buFont typeface="Arial" panose="020B0604020202020204" pitchFamily="34" charset="0"/>
+              <a:buChar char="•"/>
+            </a:pPr>
+            <a:r>
+              <a:rPr lang="en-GB" b="1" dirty="0">
+                <a:solidFill>
+                  <a:schemeClr val="tx1"/>
+                </a:solidFill>
+              </a:rPr>
+              <a:t>THREAD SAFETY</a:t>
+            </a:r>
+          </a:p>
+          <a:p>
+            <a:pPr marL="342900" indent="-342900">
+              <a:buFont typeface="Arial" panose="020B0604020202020204" pitchFamily="34" charset="0"/>
+              <a:buChar char="•"/>
+            </a:pPr>
+            <a:r>
+              <a:rPr lang="en-GB" b="1" dirty="0">
+                <a:solidFill>
+                  <a:schemeClr val="tx1"/>
+                </a:solidFill>
+              </a:rPr>
+              <a:t>Supervision</a:t>
+            </a:r>
+          </a:p>
+          <a:p>
+            <a:pPr marL="342900" indent="-342900">
+              <a:buFont typeface="Arial" panose="020B0604020202020204" pitchFamily="34" charset="0"/>
+              <a:buChar char="•"/>
+            </a:pPr>
+            <a:r>
+              <a:rPr lang="en-GB" b="1" dirty="0" err="1">
+                <a:solidFill>
+                  <a:schemeClr val="tx1"/>
+                </a:solidFill>
+              </a:rPr>
+              <a:t>REmote</a:t>
+            </a:r>
+            <a:endParaRPr lang="en-GB" b="1" dirty="0">
+              <a:solidFill>
+                <a:schemeClr val="tx1"/>
+              </a:solidFill>
+            </a:endParaRPr>
+          </a:p>
+          <a:p>
+            <a:pPr marL="342900" indent="-342900">
+              <a:buFont typeface="Arial" panose="020B0604020202020204" pitchFamily="34" charset="0"/>
+              <a:buChar char="•"/>
+            </a:pPr>
+            <a:r>
+              <a:rPr lang="en-GB" b="1" dirty="0">
+                <a:solidFill>
+                  <a:schemeClr val="tx1"/>
+                </a:solidFill>
+              </a:rPr>
+              <a:t>Mailbox</a:t>
+            </a:r>
+          </a:p>
+          <a:p>
+            <a:pPr marL="342900" indent="-342900">
+              <a:buFont typeface="Arial" panose="020B0604020202020204" pitchFamily="34" charset="0"/>
+              <a:buChar char="•"/>
+            </a:pPr>
+            <a:r>
+              <a:rPr lang="en-GB" b="1" dirty="0">
+                <a:solidFill>
+                  <a:schemeClr val="tx1"/>
+                </a:solidFill>
+              </a:rPr>
+              <a:t>Lifecycle</a:t>
+            </a:r>
+          </a:p>
+          <a:p>
+            <a:pPr marL="342900" indent="-342900">
+              <a:buFont typeface="Arial" panose="020B0604020202020204" pitchFamily="34" charset="0"/>
+              <a:buChar char="•"/>
+            </a:pPr>
+            <a:r>
+              <a:rPr lang="en-GB" b="1" dirty="0">
+                <a:solidFill>
+                  <a:schemeClr val="tx1"/>
+                </a:solidFill>
+              </a:rPr>
+              <a:t>Configuration</a:t>
+            </a:r>
+          </a:p>
+          <a:p>
+            <a:pPr marL="342900" indent="-342900">
+              <a:buFont typeface="Arial" panose="020B0604020202020204" pitchFamily="34" charset="0"/>
+              <a:buChar char="•"/>
+            </a:pPr>
+            <a:r>
+              <a:rPr lang="en-GB" b="1" dirty="0">
+                <a:solidFill>
+                  <a:schemeClr val="tx1"/>
+                </a:solidFill>
+              </a:rPr>
+              <a:t>Extend an actor system</a:t>
+            </a:r>
+          </a:p>
+          <a:p>
+            <a:pPr lvl="1"/>
+            <a:endParaRPr lang="en-GB" b="1" dirty="0"/>
           </a:p>
         </p:txBody>
       </p:sp>
@@ -7585,13 +7260,8 @@
             <a:pPr algn="ctr"/>
             <a:r>
               <a:rPr lang="en-GB" dirty="0"/>
-              <a:t>Tempo </a:t>
-            </a:r>
-            <a:r>
-              <a:rPr lang="en-GB" dirty="0" err="1"/>
-              <a:t>limite</a:t>
-            </a:r>
-            <a:endParaRPr lang="en-GB" dirty="0"/>
+              <a:t>Time limit / Race duration</a:t>
+            </a:r>
           </a:p>
         </p:txBody>
       </p:sp>
@@ -7609,8 +7279,8 @@
         </p:nvSpPr>
         <p:spPr>
           <a:xfrm>
-            <a:off x="198275" y="2617114"/>
-            <a:ext cx="1751823" cy="830997"/>
+            <a:off x="186897" y="2740224"/>
+            <a:ext cx="1751823" cy="584775"/>
           </a:xfrm>
           <a:prstGeom prst="rect">
             <a:avLst/>
@@ -7625,25 +7295,16 @@
           <a:p>
             <a:pPr algn="ctr"/>
             <a:r>
-              <a:rPr lang="en-GB" sz="1600" b="1" dirty="0" err="1"/>
-              <a:t>Iscrizione</a:t>
+              <a:rPr lang="en-GB" sz="1600" b="1" dirty="0"/>
+              <a:t>Registration</a:t>
             </a:r>
             <a:br>
               <a:rPr lang="en-GB" sz="1600" b="1" dirty="0"/>
             </a:br>
             <a:r>
-              <a:rPr lang="en-GB" sz="1600" b="1" dirty="0" err="1"/>
-              <a:t>Assegnazione</a:t>
-            </a:r>
-            <a:r>
               <a:rPr lang="en-GB" sz="1600" b="1" dirty="0"/>
-              <a:t> </a:t>
-            </a:r>
-            <a:r>
-              <a:rPr lang="en-GB" sz="1600" b="1" dirty="0" err="1"/>
-              <a:t>Pettorale</a:t>
-            </a:r>
-            <a:endParaRPr lang="en-GB" sz="1600" b="1" dirty="0"/>
+              <a:t>Bib Number</a:t>
+            </a:r>
           </a:p>
         </p:txBody>
       </p:sp>
@@ -8220,6 +7881,16 @@
 <file path=ppt/slides/slide4.xml><?xml version="1.0" encoding="utf-8"?>
 <p:sld xmlns:a="http://schemas.openxmlformats.org/drawingml/2006/main" xmlns:r="http://schemas.openxmlformats.org/officeDocument/2006/relationships" xmlns:p="http://schemas.openxmlformats.org/presentationml/2006/main">
   <p:cSld>
+    <p:bg>
+      <p:bgPr>
+        <a:solidFill>
+          <a:schemeClr val="bg1">
+            <a:alpha val="80000"/>
+          </a:schemeClr>
+        </a:solidFill>
+        <a:effectLst/>
+      </p:bgPr>
+    </p:bg>
     <p:spTree>
       <p:nvGrpSpPr>
         <p:cNvPr id="1" name=""/>
@@ -8236,92 +7907,114 @@
       </p:grpSpPr>
       <p:sp>
         <p:nvSpPr>
-          <p:cNvPr id="2" name="Title 1">
+          <p:cNvPr id="22" name="TextBox 21">
             <a:extLst>
               <a:ext uri="{FF2B5EF4-FFF2-40B4-BE49-F238E27FC236}">
-                <a16:creationId xmlns:a16="http://schemas.microsoft.com/office/drawing/2014/main" id="{A4C0D675-E7FA-4AD1-83CA-3E6512CBC8B3}"/>
+                <a16:creationId xmlns:a16="http://schemas.microsoft.com/office/drawing/2014/main" id="{6901F867-EA3A-4053-BC23-44561238D953}"/>
               </a:ext>
             </a:extLst>
           </p:cNvPr>
-          <p:cNvSpPr>
-            <a:spLocks noGrp="1"/>
-          </p:cNvSpPr>
-          <p:nvPr>
-            <p:ph type="title"/>
-          </p:nvPr>
-        </p:nvSpPr>
-        <p:spPr/>
-        <p:txBody>
-          <a:bodyPr/>
-          <a:lstStyle/>
-          <a:p>
-            <a:r>
-              <a:rPr lang="en-GB" dirty="0" err="1"/>
-              <a:t>Modello</a:t>
-            </a:r>
-            <a:r>
-              <a:rPr lang="en-GB" dirty="0"/>
-              <a:t> </a:t>
-            </a:r>
-            <a:r>
-              <a:rPr lang="en-GB" dirty="0" err="1"/>
-              <a:t>attori</a:t>
-            </a:r>
-            <a:endParaRPr lang="en-GB" dirty="0"/>
-          </a:p>
-        </p:txBody>
-      </p:sp>
-      <p:sp>
-        <p:nvSpPr>
-          <p:cNvPr id="3" name="Content Placeholder 2">
+          <p:cNvSpPr txBox="1"/>
+          <p:nvPr/>
+        </p:nvSpPr>
+        <p:spPr>
+          <a:xfrm>
+            <a:off x="-134970" y="60148"/>
+            <a:ext cx="8064704" cy="1323439"/>
+          </a:xfrm>
+          <a:prstGeom prst="rect">
+            <a:avLst/>
+          </a:prstGeom>
+          <a:noFill/>
+        </p:spPr>
+        <p:txBody>
+          <a:bodyPr wrap="square" rtlCol="0">
+            <a:spAutoFit/>
+          </a:bodyPr>
+          <a:lstStyle/>
+          <a:p>
+            <a:pPr marL="0" marR="0" lvl="0" indent="0" algn="ctr" defTabSz="914400" rtl="0" eaLnBrk="1" fontAlgn="auto" latinLnBrk="0" hangingPunct="1">
+              <a:lnSpc>
+                <a:spcPct val="100000"/>
+              </a:lnSpc>
+              <a:spcBef>
+                <a:spcPts val="0"/>
+              </a:spcBef>
+              <a:spcAft>
+                <a:spcPts val="0"/>
+              </a:spcAft>
+              <a:buClrTx/>
+              <a:buSzTx/>
+              <a:buFontTx/>
+              <a:buNone/>
+              <a:tabLst/>
+              <a:defRPr/>
+            </a:pPr>
+            <a:r>
+              <a:rPr kumimoji="0" lang="en-US" sz="8000" b="1" i="0" u="none" strike="noStrike" kern="1200" cap="none" spc="0" normalizeH="0" baseline="0" noProof="0" dirty="0">
+                <a:ln>
+                  <a:noFill/>
+                </a:ln>
+                <a:solidFill>
+                  <a:srgbClr val="FCB414"/>
+                </a:solidFill>
+                <a:effectLst/>
+                <a:uLnTx/>
+                <a:uFillTx/>
+                <a:latin typeface="Noto Sans Disp ExtBd" panose="020B0902040504020204" pitchFamily="34"/>
+                <a:ea typeface="Noto Sans Disp ExtBd" panose="020B0902040504020204" pitchFamily="34"/>
+                <a:cs typeface="Noto Sans Disp ExtBd" panose="020B0902040504020204" pitchFamily="34"/>
+              </a:rPr>
+              <a:t>Actor Hierarchy</a:t>
+            </a:r>
+            <a:endParaRPr kumimoji="0" lang="ru-RU" sz="8000" b="1" i="0" u="none" strike="noStrike" kern="1200" cap="none" spc="0" normalizeH="0" baseline="0" noProof="0" dirty="0">
+              <a:ln>
+                <a:noFill/>
+              </a:ln>
+              <a:solidFill>
+                <a:srgbClr val="FFFFFF"/>
+              </a:solidFill>
+              <a:effectLst/>
+              <a:uLnTx/>
+              <a:uFillTx/>
+              <a:latin typeface="Noto Sans Disp ExtBd" panose="020B0902040504020204" pitchFamily="34"/>
+              <a:ea typeface="Noto Sans Disp ExtBd" panose="020B0902040504020204" pitchFamily="34"/>
+              <a:cs typeface="Noto Sans Disp ExtBd" panose="020B0902040504020204" pitchFamily="34"/>
+            </a:endParaRPr>
+          </a:p>
+        </p:txBody>
+      </p:sp>
+      <p:sp>
+        <p:nvSpPr>
+          <p:cNvPr id="10" name="TextBox 9">
             <a:extLst>
               <a:ext uri="{FF2B5EF4-FFF2-40B4-BE49-F238E27FC236}">
-                <a16:creationId xmlns:a16="http://schemas.microsoft.com/office/drawing/2014/main" id="{558BFB15-5675-445D-A117-1CE21986B360}"/>
+                <a16:creationId xmlns:a16="http://schemas.microsoft.com/office/drawing/2014/main" id="{34034316-99D2-4296-A2D8-BCAED2B043C7}"/>
               </a:ext>
             </a:extLst>
           </p:cNvPr>
-          <p:cNvSpPr>
-            <a:spLocks noGrp="1"/>
-          </p:cNvSpPr>
-          <p:nvPr>
-            <p:ph idx="1"/>
-          </p:nvPr>
-        </p:nvSpPr>
-        <p:spPr/>
-        <p:txBody>
-          <a:bodyPr/>
-          <a:lstStyle/>
-          <a:p>
-            <a:r>
-              <a:rPr lang="en-GB" dirty="0" err="1"/>
-              <a:t>Ogni</a:t>
-            </a:r>
-            <a:r>
-              <a:rPr lang="en-GB" dirty="0"/>
-              <a:t> </a:t>
-            </a:r>
-            <a:r>
-              <a:rPr lang="en-GB" dirty="0" err="1"/>
-              <a:t>cosa</a:t>
-            </a:r>
-            <a:r>
-              <a:rPr lang="en-GB" dirty="0"/>
-              <a:t> è un </a:t>
-            </a:r>
-            <a:r>
-              <a:rPr lang="en-GB" dirty="0" err="1"/>
-              <a:t>attore</a:t>
-            </a:r>
-            <a:endParaRPr lang="en-GB" dirty="0"/>
-          </a:p>
-          <a:p>
-            <a:r>
-              <a:rPr lang="en-GB" dirty="0" err="1"/>
-              <a:t>Gerarchia</a:t>
-            </a:r>
-            <a:r>
-              <a:rPr lang="en-GB" dirty="0"/>
-              <a:t> </a:t>
+          <p:cNvSpPr txBox="1"/>
+          <p:nvPr/>
+        </p:nvSpPr>
+        <p:spPr>
+          <a:xfrm>
+            <a:off x="608823" y="1673779"/>
+            <a:ext cx="6162868" cy="584775"/>
+          </a:xfrm>
+          <a:prstGeom prst="rect">
+            <a:avLst/>
+          </a:prstGeom>
+          <a:noFill/>
+        </p:spPr>
+        <p:txBody>
+          <a:bodyPr wrap="square">
+            <a:spAutoFit/>
+          </a:bodyPr>
+          <a:lstStyle/>
+          <a:p>
+            <a:r>
+              <a:rPr lang="en-GB" sz="3200" dirty="0"/>
+              <a:t>Link to draw.io</a:t>
             </a:r>
           </a:p>
         </p:txBody>
@@ -8329,7 +8022,7 @@
     </p:spTree>
     <p:extLst>
       <p:ext uri="{BB962C8B-B14F-4D97-AF65-F5344CB8AC3E}">
-        <p14:creationId xmlns:p14="http://schemas.microsoft.com/office/powerpoint/2010/main" val="3964935267"/>
+        <p14:creationId xmlns:p14="http://schemas.microsoft.com/office/powerpoint/2010/main" val="18049662"/>
       </p:ext>
     </p:extLst>
   </p:cSld>
@@ -8342,6 +8035,16 @@
 <file path=ppt/slides/slide5.xml><?xml version="1.0" encoding="utf-8"?>
 <p:sld xmlns:a="http://schemas.openxmlformats.org/drawingml/2006/main" xmlns:r="http://schemas.openxmlformats.org/officeDocument/2006/relationships" xmlns:p="http://schemas.openxmlformats.org/presentationml/2006/main">
   <p:cSld>
+    <p:bg>
+      <p:bgPr>
+        <a:solidFill>
+          <a:schemeClr val="bg1">
+            <a:alpha val="80000"/>
+          </a:schemeClr>
+        </a:solidFill>
+        <a:effectLst/>
+      </p:bgPr>
+    </p:bg>
     <p:spTree>
       <p:nvGrpSpPr>
         <p:cNvPr id="1" name=""/>
@@ -8358,601 +8061,457 @@
       </p:grpSpPr>
       <p:sp>
         <p:nvSpPr>
-          <p:cNvPr id="2" name="Title 1">
+          <p:cNvPr id="22" name="TextBox 21">
             <a:extLst>
               <a:ext uri="{FF2B5EF4-FFF2-40B4-BE49-F238E27FC236}">
-                <a16:creationId xmlns:a16="http://schemas.microsoft.com/office/drawing/2014/main" id="{A53C92B5-373A-4531-A9AE-A5C1E0019E61}"/>
+                <a16:creationId xmlns:a16="http://schemas.microsoft.com/office/drawing/2014/main" id="{6901F867-EA3A-4053-BC23-44561238D953}"/>
               </a:ext>
             </a:extLst>
           </p:cNvPr>
-          <p:cNvSpPr>
-            <a:spLocks noGrp="1"/>
-          </p:cNvSpPr>
-          <p:nvPr>
-            <p:ph type="title"/>
-          </p:nvPr>
-        </p:nvSpPr>
-        <p:spPr/>
-        <p:txBody>
-          <a:bodyPr/>
-          <a:lstStyle/>
-          <a:p>
-            <a:r>
-              <a:rPr lang="en-GB" dirty="0"/>
-              <a:t>Demo</a:t>
-            </a:r>
-          </a:p>
-        </p:txBody>
-      </p:sp>
-      <p:sp>
-        <p:nvSpPr>
-          <p:cNvPr id="3" name="Content Placeholder 2">
+          <p:cNvSpPr txBox="1"/>
+          <p:nvPr/>
+        </p:nvSpPr>
+        <p:spPr>
+          <a:xfrm>
+            <a:off x="-134970" y="60148"/>
+            <a:ext cx="8064704" cy="1323439"/>
+          </a:xfrm>
+          <a:prstGeom prst="rect">
+            <a:avLst/>
+          </a:prstGeom>
+          <a:noFill/>
+        </p:spPr>
+        <p:txBody>
+          <a:bodyPr wrap="square" rtlCol="0">
+            <a:spAutoFit/>
+          </a:bodyPr>
+          <a:lstStyle/>
+          <a:p>
+            <a:pPr marL="0" marR="0" lvl="0" indent="0" algn="ctr" defTabSz="914400" rtl="0" eaLnBrk="1" fontAlgn="auto" latinLnBrk="0" hangingPunct="1">
+              <a:lnSpc>
+                <a:spcPct val="100000"/>
+              </a:lnSpc>
+              <a:spcBef>
+                <a:spcPts val="0"/>
+              </a:spcBef>
+              <a:spcAft>
+                <a:spcPts val="0"/>
+              </a:spcAft>
+              <a:buClrTx/>
+              <a:buSzTx/>
+              <a:buFontTx/>
+              <a:buNone/>
+              <a:tabLst/>
+              <a:defRPr/>
+            </a:pPr>
+            <a:r>
+              <a:rPr kumimoji="0" lang="en-US" sz="8000" b="1" i="0" u="none" strike="noStrike" kern="1200" cap="none" spc="0" normalizeH="0" baseline="0" noProof="0" dirty="0">
+                <a:ln>
+                  <a:noFill/>
+                </a:ln>
+                <a:solidFill>
+                  <a:srgbClr val="FCB414"/>
+                </a:solidFill>
+                <a:effectLst/>
+                <a:uLnTx/>
+                <a:uFillTx/>
+                <a:latin typeface="Noto Sans Disp ExtBd" panose="020B0902040504020204" pitchFamily="34"/>
+                <a:ea typeface="Noto Sans Disp ExtBd" panose="020B0902040504020204" pitchFamily="34"/>
+                <a:cs typeface="Noto Sans Disp ExtBd" panose="020B0902040504020204" pitchFamily="34"/>
+              </a:rPr>
+              <a:t>A real use case</a:t>
+            </a:r>
+            <a:endParaRPr kumimoji="0" lang="ru-RU" sz="8000" b="1" i="0" u="none" strike="noStrike" kern="1200" cap="none" spc="0" normalizeH="0" baseline="0" noProof="0" dirty="0">
+              <a:ln>
+                <a:noFill/>
+              </a:ln>
+              <a:solidFill>
+                <a:srgbClr val="FFFFFF"/>
+              </a:solidFill>
+              <a:effectLst/>
+              <a:uLnTx/>
+              <a:uFillTx/>
+              <a:latin typeface="Noto Sans Disp ExtBd" panose="020B0902040504020204" pitchFamily="34"/>
+              <a:ea typeface="Noto Sans Disp ExtBd" panose="020B0902040504020204" pitchFamily="34"/>
+              <a:cs typeface="Noto Sans Disp ExtBd" panose="020B0902040504020204" pitchFamily="34"/>
+            </a:endParaRPr>
+          </a:p>
+        </p:txBody>
+      </p:sp>
+      <p:sp>
+        <p:nvSpPr>
+          <p:cNvPr id="10" name="TextBox 9">
             <a:extLst>
               <a:ext uri="{FF2B5EF4-FFF2-40B4-BE49-F238E27FC236}">
-                <a16:creationId xmlns:a16="http://schemas.microsoft.com/office/drawing/2014/main" id="{94884624-106B-44B3-A162-3433FFE1F228}"/>
+                <a16:creationId xmlns:a16="http://schemas.microsoft.com/office/drawing/2014/main" id="{34034316-99D2-4296-A2D8-BCAED2B043C7}"/>
               </a:ext>
             </a:extLst>
           </p:cNvPr>
-          <p:cNvSpPr>
-            <a:spLocks noGrp="1"/>
-          </p:cNvSpPr>
-          <p:nvPr>
-            <p:ph idx="1"/>
-          </p:nvPr>
-        </p:nvSpPr>
-        <p:spPr/>
-        <p:txBody>
-          <a:bodyPr/>
-          <a:lstStyle/>
-          <a:p>
-            <a:r>
-              <a:rPr lang="en-GB" dirty="0" err="1"/>
-              <a:t>Descrizione</a:t>
-            </a:r>
-            <a:r>
-              <a:rPr lang="en-GB" dirty="0"/>
-              <a:t> </a:t>
-            </a:r>
-            <a:r>
-              <a:rPr lang="en-GB" dirty="0" err="1"/>
-              <a:t>attori</a:t>
-            </a:r>
-            <a:r>
-              <a:rPr lang="en-GB" dirty="0"/>
-              <a:t> e parti significative di </a:t>
-            </a:r>
-            <a:r>
-              <a:rPr lang="en-GB" dirty="0" err="1"/>
-              <a:t>codice</a:t>
-            </a:r>
-            <a:endParaRPr lang="en-GB" dirty="0"/>
-          </a:p>
-          <a:p>
-            <a:r>
-              <a:rPr lang="en-GB" dirty="0" err="1"/>
-              <a:t>Attori</a:t>
-            </a:r>
-            <a:endParaRPr lang="en-GB" dirty="0"/>
-          </a:p>
-          <a:p>
-            <a:r>
-              <a:rPr lang="en-GB" dirty="0" err="1"/>
-              <a:t>Messaggi</a:t>
-            </a:r>
-            <a:endParaRPr lang="en-GB" dirty="0"/>
-          </a:p>
-          <a:p>
-            <a:pPr lvl="1"/>
-            <a:r>
-              <a:rPr lang="en-GB" dirty="0" err="1"/>
-              <a:t>Immutabilità</a:t>
-            </a:r>
-            <a:endParaRPr lang="en-GB" dirty="0"/>
-          </a:p>
-          <a:p>
-            <a:pPr marL="457200" lvl="1" indent="0">
-              <a:buNone/>
-            </a:pPr>
-            <a:endParaRPr lang="en-GB" dirty="0"/>
-          </a:p>
-          <a:p>
-            <a:r>
-              <a:rPr lang="en-GB" dirty="0"/>
-              <a:t>Come </a:t>
-            </a:r>
-            <a:r>
-              <a:rPr lang="en-GB" dirty="0" err="1"/>
-              <a:t>si</a:t>
-            </a:r>
-            <a:r>
-              <a:rPr lang="en-GB" dirty="0"/>
-              <a:t> </a:t>
-            </a:r>
-            <a:r>
-              <a:rPr lang="en-GB" dirty="0" err="1"/>
-              <a:t>crea</a:t>
-            </a:r>
-            <a:r>
-              <a:rPr lang="en-GB" dirty="0"/>
-              <a:t> / </a:t>
-            </a:r>
-            <a:r>
-              <a:rPr lang="en-GB" dirty="0" err="1"/>
-              <a:t>referenzia</a:t>
-            </a:r>
-            <a:r>
-              <a:rPr lang="en-GB" dirty="0"/>
-              <a:t> un </a:t>
-            </a:r>
-            <a:r>
-              <a:rPr lang="en-GB" dirty="0" err="1"/>
-              <a:t>attore</a:t>
-            </a:r>
-            <a:endParaRPr lang="en-GB" dirty="0"/>
-          </a:p>
-          <a:p>
-            <a:r>
-              <a:rPr lang="en-GB" dirty="0"/>
-              <a:t>Props</a:t>
-            </a:r>
-          </a:p>
-          <a:p>
-            <a:pPr lvl="1"/>
-            <a:endParaRPr lang="en-GB" dirty="0"/>
+          <p:cNvSpPr txBox="1"/>
+          <p:nvPr/>
+        </p:nvSpPr>
+        <p:spPr>
+          <a:xfrm>
+            <a:off x="608823" y="1673779"/>
+            <a:ext cx="7676618" cy="1138773"/>
+          </a:xfrm>
+          <a:prstGeom prst="rect">
+            <a:avLst/>
+          </a:prstGeom>
+          <a:noFill/>
+        </p:spPr>
+        <p:txBody>
+          <a:bodyPr wrap="square">
+            <a:spAutoFit/>
+          </a:bodyPr>
+          <a:lstStyle/>
+          <a:p>
+            <a:r>
+              <a:rPr lang="en-GB" sz="3600" dirty="0"/>
+              <a:t>User migration to azure b2c</a:t>
+            </a:r>
+          </a:p>
+          <a:p>
+            <a:endParaRPr lang="en-GB" sz="3200" dirty="0"/>
+          </a:p>
+        </p:txBody>
+      </p:sp>
+      <p:sp>
+        <p:nvSpPr>
+          <p:cNvPr id="7" name="TextBox 6">
+            <a:extLst>
+              <a:ext uri="{FF2B5EF4-FFF2-40B4-BE49-F238E27FC236}">
+                <a16:creationId xmlns:a16="http://schemas.microsoft.com/office/drawing/2014/main" id="{1636F071-344A-4303-9363-02D89C63D5B6}"/>
+              </a:ext>
+            </a:extLst>
+          </p:cNvPr>
+          <p:cNvSpPr txBox="1"/>
+          <p:nvPr/>
+        </p:nvSpPr>
+        <p:spPr>
+          <a:xfrm>
+            <a:off x="608823" y="2432892"/>
+            <a:ext cx="6163474" cy="523220"/>
+          </a:xfrm>
+          <a:prstGeom prst="rect">
+            <a:avLst/>
+          </a:prstGeom>
+          <a:noFill/>
+        </p:spPr>
+        <p:txBody>
+          <a:bodyPr wrap="square">
+            <a:spAutoFit/>
+          </a:bodyPr>
+          <a:lstStyle/>
+          <a:p>
+            <a:r>
+              <a:rPr lang="en-GB" sz="2800" b="0" i="0" dirty="0">
+                <a:solidFill>
+                  <a:schemeClr val="accent1">
+                    <a:lumMod val="60000"/>
+                    <a:lumOff val="40000"/>
+                  </a:schemeClr>
+                </a:solidFill>
+                <a:effectLst/>
+                <a:latin typeface="Helvetica Neue"/>
+              </a:rPr>
+              <a:t>~ 160 000 users</a:t>
+            </a:r>
+          </a:p>
+        </p:txBody>
+      </p:sp>
+      <p:sp>
+        <p:nvSpPr>
+          <p:cNvPr id="8" name="TextBox 7">
+            <a:extLst>
+              <a:ext uri="{FF2B5EF4-FFF2-40B4-BE49-F238E27FC236}">
+                <a16:creationId xmlns:a16="http://schemas.microsoft.com/office/drawing/2014/main" id="{40A596C4-3029-43A1-A020-4197D2F57C6E}"/>
+              </a:ext>
+            </a:extLst>
+          </p:cNvPr>
+          <p:cNvSpPr txBox="1"/>
+          <p:nvPr/>
+        </p:nvSpPr>
+        <p:spPr>
+          <a:xfrm>
+            <a:off x="608820" y="3003277"/>
+            <a:ext cx="10824668" cy="707886"/>
+          </a:xfrm>
+          <a:prstGeom prst="rect">
+            <a:avLst/>
+          </a:prstGeom>
+          <a:noFill/>
+        </p:spPr>
+        <p:txBody>
+          <a:bodyPr wrap="square">
+            <a:spAutoFit/>
+          </a:bodyPr>
+          <a:lstStyle/>
+          <a:p>
+            <a:r>
+              <a:rPr lang="en-GB" sz="2800" b="0" i="0" dirty="0">
+                <a:solidFill>
+                  <a:schemeClr val="accent1">
+                    <a:lumMod val="60000"/>
+                    <a:lumOff val="40000"/>
+                  </a:schemeClr>
+                </a:solidFill>
+                <a:effectLst/>
+                <a:latin typeface="Helvetica Neue"/>
+              </a:rPr>
+              <a:t>1</a:t>
+            </a:r>
+            <a:r>
+              <a:rPr lang="en-GB" sz="2800" b="0" i="0" baseline="30000" dirty="0">
+                <a:solidFill>
+                  <a:schemeClr val="accent1">
+                    <a:lumMod val="60000"/>
+                    <a:lumOff val="40000"/>
+                  </a:schemeClr>
+                </a:solidFill>
+                <a:effectLst/>
+                <a:latin typeface="Helvetica Neue"/>
+              </a:rPr>
+              <a:t>st</a:t>
+            </a:r>
+            <a:r>
+              <a:rPr lang="en-GB" sz="2800" b="0" i="0" dirty="0">
+                <a:solidFill>
+                  <a:schemeClr val="accent1">
+                    <a:lumMod val="60000"/>
+                    <a:lumOff val="40000"/>
+                  </a:schemeClr>
+                </a:solidFill>
+                <a:effectLst/>
+                <a:latin typeface="Helvetica Neue"/>
+              </a:rPr>
+              <a:t> POC – No Akka.net – No Concurrency = 8 users / sec ~ </a:t>
+            </a:r>
+            <a:r>
+              <a:rPr lang="en-GB" sz="4000" b="0" i="0" dirty="0">
+                <a:solidFill>
+                  <a:schemeClr val="accent3">
+                    <a:lumMod val="75000"/>
+                  </a:schemeClr>
+                </a:solidFill>
+                <a:effectLst/>
+                <a:latin typeface="Helvetica Neue"/>
+              </a:rPr>
+              <a:t>6h</a:t>
+            </a:r>
+            <a:endParaRPr lang="en-GB" sz="2800" b="0" i="0" dirty="0">
+              <a:solidFill>
+                <a:schemeClr val="accent3">
+                  <a:lumMod val="75000"/>
+                </a:schemeClr>
+              </a:solidFill>
+              <a:effectLst/>
+              <a:latin typeface="Helvetica Neue"/>
+            </a:endParaRPr>
+          </a:p>
+        </p:txBody>
+      </p:sp>
+      <p:sp>
+        <p:nvSpPr>
+          <p:cNvPr id="9" name="TextBox 8">
+            <a:extLst>
+              <a:ext uri="{FF2B5EF4-FFF2-40B4-BE49-F238E27FC236}">
+                <a16:creationId xmlns:a16="http://schemas.microsoft.com/office/drawing/2014/main" id="{9831C2AF-1DA9-478A-9C33-E541D0BB8799}"/>
+              </a:ext>
+            </a:extLst>
+          </p:cNvPr>
+          <p:cNvSpPr txBox="1"/>
+          <p:nvPr/>
+        </p:nvSpPr>
+        <p:spPr>
+          <a:xfrm>
+            <a:off x="608821" y="3901888"/>
+            <a:ext cx="9631061" cy="707886"/>
+          </a:xfrm>
+          <a:prstGeom prst="rect">
+            <a:avLst/>
+          </a:prstGeom>
+          <a:noFill/>
+        </p:spPr>
+        <p:txBody>
+          <a:bodyPr wrap="square">
+            <a:spAutoFit/>
+          </a:bodyPr>
+          <a:lstStyle/>
+          <a:p>
+            <a:r>
+              <a:rPr lang="en-GB" sz="2800" b="0" i="0" dirty="0">
+                <a:solidFill>
+                  <a:schemeClr val="accent1">
+                    <a:lumMod val="60000"/>
+                    <a:lumOff val="40000"/>
+                  </a:schemeClr>
+                </a:solidFill>
+                <a:effectLst/>
+                <a:latin typeface="Helvetica Neue"/>
+              </a:rPr>
+              <a:t>2</a:t>
+            </a:r>
+            <a:r>
+              <a:rPr lang="en-GB" sz="2800" b="0" i="0" baseline="30000" dirty="0">
+                <a:solidFill>
+                  <a:schemeClr val="accent1">
+                    <a:lumMod val="60000"/>
+                    <a:lumOff val="40000"/>
+                  </a:schemeClr>
+                </a:solidFill>
+                <a:effectLst/>
+                <a:latin typeface="Helvetica Neue"/>
+              </a:rPr>
+              <a:t>nd</a:t>
+            </a:r>
+            <a:r>
+              <a:rPr lang="en-GB" sz="2800" b="0" i="0" dirty="0">
+                <a:solidFill>
+                  <a:schemeClr val="accent1">
+                    <a:lumMod val="60000"/>
+                    <a:lumOff val="40000"/>
+                  </a:schemeClr>
+                </a:solidFill>
+                <a:effectLst/>
+                <a:latin typeface="Helvetica Neue"/>
+              </a:rPr>
+              <a:t> POC – No Akka.net = 20 users / sec ~ </a:t>
+            </a:r>
+            <a:r>
+              <a:rPr lang="en-GB" sz="4000" b="0" i="0" dirty="0">
+                <a:solidFill>
+                  <a:schemeClr val="accent2">
+                    <a:lumMod val="75000"/>
+                  </a:schemeClr>
+                </a:solidFill>
+                <a:effectLst/>
+                <a:latin typeface="Helvetica Neue"/>
+              </a:rPr>
+              <a:t>2h+</a:t>
+            </a:r>
+            <a:endParaRPr lang="en-GB" sz="2800" b="0" i="0" dirty="0">
+              <a:solidFill>
+                <a:schemeClr val="accent2">
+                  <a:lumMod val="75000"/>
+                </a:schemeClr>
+              </a:solidFill>
+              <a:effectLst/>
+              <a:latin typeface="Helvetica Neue"/>
+            </a:endParaRPr>
+          </a:p>
+        </p:txBody>
+      </p:sp>
+      <p:sp>
+        <p:nvSpPr>
+          <p:cNvPr id="11" name="TextBox 10">
+            <a:extLst>
+              <a:ext uri="{FF2B5EF4-FFF2-40B4-BE49-F238E27FC236}">
+                <a16:creationId xmlns:a16="http://schemas.microsoft.com/office/drawing/2014/main" id="{2A8A155C-8BC2-4E99-A581-B356F15E8DC3}"/>
+              </a:ext>
+            </a:extLst>
+          </p:cNvPr>
+          <p:cNvSpPr txBox="1"/>
+          <p:nvPr/>
+        </p:nvSpPr>
+        <p:spPr>
+          <a:xfrm>
+            <a:off x="608820" y="4800499"/>
+            <a:ext cx="9631061" cy="707886"/>
+          </a:xfrm>
+          <a:prstGeom prst="rect">
+            <a:avLst/>
+          </a:prstGeom>
+          <a:noFill/>
+        </p:spPr>
+        <p:txBody>
+          <a:bodyPr wrap="square">
+            <a:spAutoFit/>
+          </a:bodyPr>
+          <a:lstStyle/>
+          <a:p>
+            <a:r>
+              <a:rPr lang="en-GB" sz="2800" b="0" i="0" dirty="0">
+                <a:solidFill>
+                  <a:schemeClr val="accent1">
+                    <a:lumMod val="60000"/>
+                    <a:lumOff val="40000"/>
+                  </a:schemeClr>
+                </a:solidFill>
+                <a:effectLst/>
+                <a:latin typeface="Helvetica Neue"/>
+              </a:rPr>
+              <a:t>3</a:t>
+            </a:r>
+            <a:r>
+              <a:rPr lang="en-GB" sz="2800" b="0" i="0" baseline="30000" dirty="0">
+                <a:solidFill>
+                  <a:schemeClr val="accent1">
+                    <a:lumMod val="60000"/>
+                    <a:lumOff val="40000"/>
+                  </a:schemeClr>
+                </a:solidFill>
+                <a:effectLst/>
+                <a:latin typeface="Helvetica Neue"/>
+              </a:rPr>
+              <a:t>rd</a:t>
+            </a:r>
+            <a:r>
+              <a:rPr lang="en-GB" sz="2800" b="0" i="0" dirty="0">
+                <a:solidFill>
+                  <a:schemeClr val="accent1">
+                    <a:lumMod val="60000"/>
+                    <a:lumOff val="40000"/>
+                  </a:schemeClr>
+                </a:solidFill>
+                <a:effectLst/>
+                <a:latin typeface="Helvetica Neue"/>
+              </a:rPr>
+              <a:t> POC - Akka.net = 50 users / sec </a:t>
+            </a:r>
+            <a:r>
+              <a:rPr lang="en-GB" sz="1800" b="0" i="0" dirty="0">
+                <a:solidFill>
+                  <a:schemeClr val="accent1">
+                    <a:lumMod val="60000"/>
+                    <a:lumOff val="40000"/>
+                  </a:schemeClr>
+                </a:solidFill>
+                <a:effectLst/>
+                <a:latin typeface="Helvetica Neue"/>
+              </a:rPr>
+              <a:t>~ </a:t>
+            </a:r>
+            <a:r>
+              <a:rPr lang="en-GB" sz="4000" b="0" i="0" dirty="0">
+                <a:solidFill>
+                  <a:schemeClr val="accent1">
+                    <a:lumMod val="40000"/>
+                    <a:lumOff val="60000"/>
+                  </a:schemeClr>
+                </a:solidFill>
+                <a:effectLst/>
+                <a:latin typeface="Helvetica Neue"/>
+              </a:rPr>
+              <a:t>53m</a:t>
+            </a:r>
+            <a:endParaRPr lang="en-GB" sz="2800" b="0" i="0" dirty="0">
+              <a:solidFill>
+                <a:schemeClr val="accent1">
+                  <a:lumMod val="40000"/>
+                  <a:lumOff val="60000"/>
+                </a:schemeClr>
+              </a:solidFill>
+              <a:effectLst/>
+              <a:latin typeface="Helvetica Neue"/>
+            </a:endParaRPr>
           </a:p>
         </p:txBody>
       </p:sp>
     </p:spTree>
     <p:extLst>
       <p:ext uri="{BB962C8B-B14F-4D97-AF65-F5344CB8AC3E}">
-        <p14:creationId xmlns:p14="http://schemas.microsoft.com/office/powerpoint/2010/main" val="1046144004"/>
-      </p:ext>
-    </p:extLst>
-  </p:cSld>
-  <p:clrMapOvr>
-    <a:masterClrMapping/>
-  </p:clrMapOvr>
-</p:sld>
-</file>
-
-<file path=ppt/slides/slide6.xml><?xml version="1.0" encoding="utf-8"?>
-<p:sld xmlns:a="http://schemas.openxmlformats.org/drawingml/2006/main" xmlns:r="http://schemas.openxmlformats.org/officeDocument/2006/relationships" xmlns:p="http://schemas.openxmlformats.org/presentationml/2006/main">
-  <p:cSld>
-    <p:spTree>
-      <p:nvGrpSpPr>
-        <p:cNvPr id="1" name=""/>
-        <p:cNvGrpSpPr/>
-        <p:nvPr/>
-      </p:nvGrpSpPr>
-      <p:grpSpPr>
-        <a:xfrm>
-          <a:off x="0" y="0"/>
-          <a:ext cx="0" cy="0"/>
-          <a:chOff x="0" y="0"/>
-          <a:chExt cx="0" cy="0"/>
-        </a:xfrm>
-      </p:grpSpPr>
-      <p:sp>
-        <p:nvSpPr>
-          <p:cNvPr id="2" name="Title 1">
-            <a:extLst>
-              <a:ext uri="{FF2B5EF4-FFF2-40B4-BE49-F238E27FC236}">
-                <a16:creationId xmlns:a16="http://schemas.microsoft.com/office/drawing/2014/main" id="{DF97036D-5945-4CCC-BA68-CCD5A4D53F53}"/>
-              </a:ext>
-            </a:extLst>
-          </p:cNvPr>
-          <p:cNvSpPr>
-            <a:spLocks noGrp="1"/>
-          </p:cNvSpPr>
-          <p:nvPr>
-            <p:ph type="title"/>
-          </p:nvPr>
-        </p:nvSpPr>
-        <p:spPr/>
-        <p:txBody>
-          <a:bodyPr/>
-          <a:lstStyle/>
-          <a:p>
-            <a:r>
-              <a:rPr lang="en-GB" dirty="0" err="1"/>
-              <a:t>Attore</a:t>
-            </a:r>
-            <a:endParaRPr lang="en-GB" dirty="0"/>
-          </a:p>
-        </p:txBody>
-      </p:sp>
-      <p:sp>
-        <p:nvSpPr>
-          <p:cNvPr id="3" name="Content Placeholder 2">
-            <a:extLst>
-              <a:ext uri="{FF2B5EF4-FFF2-40B4-BE49-F238E27FC236}">
-                <a16:creationId xmlns:a16="http://schemas.microsoft.com/office/drawing/2014/main" id="{5047DDB7-7C0F-46DC-8CB6-2C2287A6B3A4}"/>
-              </a:ext>
-            </a:extLst>
-          </p:cNvPr>
-          <p:cNvSpPr>
-            <a:spLocks noGrp="1"/>
-          </p:cNvSpPr>
-          <p:nvPr>
-            <p:ph idx="1"/>
-          </p:nvPr>
-        </p:nvSpPr>
-        <p:spPr/>
-        <p:txBody>
-          <a:bodyPr/>
-          <a:lstStyle/>
-          <a:p>
-            <a:r>
-              <a:rPr lang="en-GB" dirty="0"/>
-              <a:t>Address</a:t>
-            </a:r>
-          </a:p>
-          <a:p>
-            <a:r>
-              <a:rPr lang="en-GB" dirty="0"/>
-              <a:t>Context</a:t>
-            </a:r>
-          </a:p>
-          <a:p>
-            <a:r>
-              <a:rPr lang="en-GB" dirty="0"/>
-              <a:t>Supervisor</a:t>
-            </a:r>
-          </a:p>
-          <a:p>
-            <a:r>
-              <a:rPr lang="en-GB" dirty="0"/>
-              <a:t>Mailbox</a:t>
-            </a:r>
-          </a:p>
-          <a:p>
-            <a:r>
-              <a:rPr lang="en-GB" dirty="0"/>
-              <a:t>Lifecycle</a:t>
-            </a:r>
-          </a:p>
-        </p:txBody>
-      </p:sp>
-    </p:spTree>
-    <p:extLst>
-      <p:ext uri="{BB962C8B-B14F-4D97-AF65-F5344CB8AC3E}">
-        <p14:creationId xmlns:p14="http://schemas.microsoft.com/office/powerpoint/2010/main" val="815102752"/>
-      </p:ext>
-    </p:extLst>
-  </p:cSld>
-  <p:clrMapOvr>
-    <a:masterClrMapping/>
-  </p:clrMapOvr>
-</p:sld>
-</file>
-
-<file path=ppt/slides/slide7.xml><?xml version="1.0" encoding="utf-8"?>
-<p:sld xmlns:a="http://schemas.openxmlformats.org/drawingml/2006/main" xmlns:r="http://schemas.openxmlformats.org/officeDocument/2006/relationships" xmlns:p="http://schemas.openxmlformats.org/presentationml/2006/main">
-  <p:cSld>
-    <p:spTree>
-      <p:nvGrpSpPr>
-        <p:cNvPr id="1" name=""/>
-        <p:cNvGrpSpPr/>
-        <p:nvPr/>
-      </p:nvGrpSpPr>
-      <p:grpSpPr>
-        <a:xfrm>
-          <a:off x="0" y="0"/>
-          <a:ext cx="0" cy="0"/>
-          <a:chOff x="0" y="0"/>
-          <a:chExt cx="0" cy="0"/>
-        </a:xfrm>
-      </p:grpSpPr>
-      <p:sp>
-        <p:nvSpPr>
-          <p:cNvPr id="2" name="Title 1">
-            <a:extLst>
-              <a:ext uri="{FF2B5EF4-FFF2-40B4-BE49-F238E27FC236}">
-                <a16:creationId xmlns:a16="http://schemas.microsoft.com/office/drawing/2014/main" id="{AF629D86-6B11-41FD-A563-E8FD759EF713}"/>
-              </a:ext>
-            </a:extLst>
-          </p:cNvPr>
-          <p:cNvSpPr>
-            <a:spLocks noGrp="1"/>
-          </p:cNvSpPr>
-          <p:nvPr>
-            <p:ph type="title"/>
-          </p:nvPr>
-        </p:nvSpPr>
-        <p:spPr/>
-        <p:txBody>
-          <a:bodyPr/>
-          <a:lstStyle/>
-          <a:p>
-            <a:r>
-              <a:rPr lang="en-GB" dirty="0"/>
-              <a:t>Async by default	</a:t>
-            </a:r>
-          </a:p>
-        </p:txBody>
-      </p:sp>
-      <p:sp>
-        <p:nvSpPr>
-          <p:cNvPr id="3" name="Content Placeholder 2">
-            <a:extLst>
-              <a:ext uri="{FF2B5EF4-FFF2-40B4-BE49-F238E27FC236}">
-                <a16:creationId xmlns:a16="http://schemas.microsoft.com/office/drawing/2014/main" id="{7DFC3E0C-4704-4A33-942F-2A272E858D51}"/>
-              </a:ext>
-            </a:extLst>
-          </p:cNvPr>
-          <p:cNvSpPr>
-            <a:spLocks noGrp="1"/>
-          </p:cNvSpPr>
-          <p:nvPr>
-            <p:ph idx="1"/>
-          </p:nvPr>
-        </p:nvSpPr>
-        <p:spPr/>
-        <p:txBody>
-          <a:bodyPr/>
-          <a:lstStyle/>
-          <a:p>
-            <a:r>
-              <a:rPr lang="en-GB" dirty="0" err="1"/>
-              <a:t>Semplifica</a:t>
-            </a:r>
-            <a:r>
-              <a:rPr lang="en-GB" dirty="0"/>
-              <a:t> </a:t>
-            </a:r>
-            <a:r>
-              <a:rPr lang="en-GB" dirty="0" err="1"/>
-              <a:t>sviluppo</a:t>
-            </a:r>
-            <a:r>
-              <a:rPr lang="en-GB" dirty="0"/>
-              <a:t> </a:t>
-            </a:r>
-            <a:r>
-              <a:rPr lang="en-GB" dirty="0" err="1"/>
-              <a:t>applicazioni</a:t>
-            </a:r>
-            <a:r>
-              <a:rPr lang="en-GB" dirty="0"/>
-              <a:t> multithread</a:t>
-            </a:r>
-          </a:p>
-          <a:p>
-            <a:r>
-              <a:rPr lang="en-GB" dirty="0"/>
-              <a:t>Non </a:t>
-            </a:r>
-            <a:r>
-              <a:rPr lang="en-GB" dirty="0" err="1"/>
-              <a:t>pensare</a:t>
-            </a:r>
-            <a:r>
-              <a:rPr lang="en-GB" dirty="0"/>
-              <a:t> al threading model / </a:t>
-            </a:r>
-            <a:r>
-              <a:rPr lang="en-GB" dirty="0" err="1"/>
-              <a:t>Nlock</a:t>
-            </a:r>
-            <a:r>
-              <a:rPr lang="en-GB" dirty="0"/>
-              <a:t> / </a:t>
-            </a:r>
-            <a:r>
-              <a:rPr lang="en-GB" dirty="0" err="1"/>
-              <a:t>concorrenza</a:t>
-            </a:r>
-            <a:endParaRPr lang="en-GB" dirty="0"/>
-          </a:p>
-          <a:p>
-            <a:r>
-              <a:rPr lang="en-GB" dirty="0"/>
-              <a:t>Un </a:t>
-            </a:r>
-            <a:r>
-              <a:rPr lang="en-GB" dirty="0" err="1"/>
-              <a:t>messaggio</a:t>
-            </a:r>
-            <a:r>
-              <a:rPr lang="en-GB" dirty="0"/>
-              <a:t> </a:t>
-            </a:r>
-            <a:r>
-              <a:rPr lang="en-GB" dirty="0" err="1"/>
-              <a:t>alla</a:t>
-            </a:r>
-            <a:r>
-              <a:rPr lang="en-GB" dirty="0"/>
-              <a:t> volta</a:t>
-            </a:r>
-          </a:p>
-        </p:txBody>
-      </p:sp>
-    </p:spTree>
-    <p:extLst>
-      <p:ext uri="{BB962C8B-B14F-4D97-AF65-F5344CB8AC3E}">
-        <p14:creationId xmlns:p14="http://schemas.microsoft.com/office/powerpoint/2010/main" val="1380912868"/>
-      </p:ext>
-    </p:extLst>
-  </p:cSld>
-  <p:clrMapOvr>
-    <a:masterClrMapping/>
-  </p:clrMapOvr>
-</p:sld>
-</file>
-
-<file path=ppt/slides/slide8.xml><?xml version="1.0" encoding="utf-8"?>
-<p:sld xmlns:a="http://schemas.openxmlformats.org/drawingml/2006/main" xmlns:r="http://schemas.openxmlformats.org/officeDocument/2006/relationships" xmlns:p="http://schemas.openxmlformats.org/presentationml/2006/main">
-  <p:cSld>
-    <p:spTree>
-      <p:nvGrpSpPr>
-        <p:cNvPr id="1" name=""/>
-        <p:cNvGrpSpPr/>
-        <p:nvPr/>
-      </p:nvGrpSpPr>
-      <p:grpSpPr>
-        <a:xfrm>
-          <a:off x="0" y="0"/>
-          <a:ext cx="0" cy="0"/>
-          <a:chOff x="0" y="0"/>
-          <a:chExt cx="0" cy="0"/>
-        </a:xfrm>
-      </p:grpSpPr>
-      <p:sp>
-        <p:nvSpPr>
-          <p:cNvPr id="2" name="Title 1">
-            <a:extLst>
-              <a:ext uri="{FF2B5EF4-FFF2-40B4-BE49-F238E27FC236}">
-                <a16:creationId xmlns:a16="http://schemas.microsoft.com/office/drawing/2014/main" id="{00569F89-9BB0-4914-AA53-D59C76B5FADD}"/>
-              </a:ext>
-            </a:extLst>
-          </p:cNvPr>
-          <p:cNvSpPr>
-            <a:spLocks noGrp="1"/>
-          </p:cNvSpPr>
-          <p:nvPr>
-            <p:ph type="title"/>
-          </p:nvPr>
-        </p:nvSpPr>
-        <p:spPr/>
-        <p:txBody>
-          <a:bodyPr/>
-          <a:lstStyle/>
-          <a:p>
-            <a:r>
-              <a:rPr lang="en-GB" dirty="0"/>
-              <a:t>Supervision	</a:t>
-            </a:r>
-          </a:p>
-        </p:txBody>
-      </p:sp>
-      <p:sp>
-        <p:nvSpPr>
-          <p:cNvPr id="3" name="Content Placeholder 2">
-            <a:extLst>
-              <a:ext uri="{FF2B5EF4-FFF2-40B4-BE49-F238E27FC236}">
-                <a16:creationId xmlns:a16="http://schemas.microsoft.com/office/drawing/2014/main" id="{3076F9EA-EF92-403E-9758-EF1CE00773D5}"/>
-              </a:ext>
-            </a:extLst>
-          </p:cNvPr>
-          <p:cNvSpPr>
-            <a:spLocks noGrp="1"/>
-          </p:cNvSpPr>
-          <p:nvPr>
-            <p:ph idx="1"/>
-          </p:nvPr>
-        </p:nvSpPr>
-        <p:spPr/>
-        <p:txBody>
-          <a:bodyPr/>
-          <a:lstStyle/>
-          <a:p>
-            <a:r>
-              <a:rPr lang="en-GB" dirty="0"/>
-              <a:t>All for one / One for one</a:t>
-            </a:r>
-          </a:p>
-        </p:txBody>
-      </p:sp>
-    </p:spTree>
-    <p:extLst>
-      <p:ext uri="{BB962C8B-B14F-4D97-AF65-F5344CB8AC3E}">
-        <p14:creationId xmlns:p14="http://schemas.microsoft.com/office/powerpoint/2010/main" val="1582668521"/>
-      </p:ext>
-    </p:extLst>
-  </p:cSld>
-  <p:clrMapOvr>
-    <a:masterClrMapping/>
-  </p:clrMapOvr>
-</p:sld>
-</file>
-
-<file path=ppt/slides/slide9.xml><?xml version="1.0" encoding="utf-8"?>
-<p:sld xmlns:a="http://schemas.openxmlformats.org/drawingml/2006/main" xmlns:r="http://schemas.openxmlformats.org/officeDocument/2006/relationships" xmlns:p="http://schemas.openxmlformats.org/presentationml/2006/main">
-  <p:cSld>
-    <p:spTree>
-      <p:nvGrpSpPr>
-        <p:cNvPr id="1" name=""/>
-        <p:cNvGrpSpPr/>
-        <p:nvPr/>
-      </p:nvGrpSpPr>
-      <p:grpSpPr>
-        <a:xfrm>
-          <a:off x="0" y="0"/>
-          <a:ext cx="0" cy="0"/>
-          <a:chOff x="0" y="0"/>
-          <a:chExt cx="0" cy="0"/>
-        </a:xfrm>
-      </p:grpSpPr>
-      <p:sp>
-        <p:nvSpPr>
-          <p:cNvPr id="2" name="Title 1">
-            <a:extLst>
-              <a:ext uri="{FF2B5EF4-FFF2-40B4-BE49-F238E27FC236}">
-                <a16:creationId xmlns:a16="http://schemas.microsoft.com/office/drawing/2014/main" id="{A36BB0CB-D36A-43EE-872D-CD0C422537B8}"/>
-              </a:ext>
-            </a:extLst>
-          </p:cNvPr>
-          <p:cNvSpPr>
-            <a:spLocks noGrp="1"/>
-          </p:cNvSpPr>
-          <p:nvPr>
-            <p:ph type="title"/>
-          </p:nvPr>
-        </p:nvSpPr>
-        <p:spPr/>
-        <p:txBody>
-          <a:bodyPr/>
-          <a:lstStyle/>
-          <a:p>
-            <a:r>
-              <a:rPr lang="en-GB" dirty="0" err="1"/>
-              <a:t>Macchina</a:t>
-            </a:r>
-            <a:r>
-              <a:rPr lang="en-GB" dirty="0"/>
-              <a:t> a </a:t>
-            </a:r>
-            <a:r>
-              <a:rPr lang="en-GB" dirty="0" err="1"/>
-              <a:t>stati</a:t>
-            </a:r>
-            <a:endParaRPr lang="en-GB" dirty="0"/>
-          </a:p>
-        </p:txBody>
-      </p:sp>
-      <p:sp>
-        <p:nvSpPr>
-          <p:cNvPr id="3" name="Content Placeholder 2">
-            <a:extLst>
-              <a:ext uri="{FF2B5EF4-FFF2-40B4-BE49-F238E27FC236}">
-                <a16:creationId xmlns:a16="http://schemas.microsoft.com/office/drawing/2014/main" id="{19F15C87-5996-45AD-BDF7-F9CB3BBD4C11}"/>
-              </a:ext>
-            </a:extLst>
-          </p:cNvPr>
-          <p:cNvSpPr>
-            <a:spLocks noGrp="1"/>
-          </p:cNvSpPr>
-          <p:nvPr>
-            <p:ph idx="1"/>
-          </p:nvPr>
-        </p:nvSpPr>
-        <p:spPr/>
-        <p:txBody>
-          <a:bodyPr/>
-          <a:lstStyle/>
-          <a:p>
-            <a:r>
-              <a:rPr lang="en-GB" dirty="0"/>
-              <a:t>Athlete actor</a:t>
-            </a:r>
-          </a:p>
-        </p:txBody>
-      </p:sp>
-    </p:spTree>
-    <p:extLst>
-      <p:ext uri="{BB962C8B-B14F-4D97-AF65-F5344CB8AC3E}">
-        <p14:creationId xmlns:p14="http://schemas.microsoft.com/office/powerpoint/2010/main" val="3193067430"/>
+        <p14:creationId xmlns:p14="http://schemas.microsoft.com/office/powerpoint/2010/main" val="3796243078"/>
       </p:ext>
     </p:extLst>
   </p:cSld>

--- a/src/Host/presentation/Presentazione.pptx
+++ b/src/Host/presentation/Presentazione.pptx
@@ -299,7 +299,7 @@
           <a:p>
             <a:fld id="{486AF098-4E88-4FB4-B061-84F2E894171B}" type="datetimeFigureOut">
               <a:rPr lang="en-GB" smtClean="0"/>
-              <a:t>01/03/2021</a:t>
+              <a:t>02/03/2021</a:t>
             </a:fld>
             <a:endParaRPr lang="en-GB"/>
           </a:p>
@@ -574,7 +574,7 @@
           <a:p>
             <a:fld id="{486AF098-4E88-4FB4-B061-84F2E894171B}" type="datetimeFigureOut">
               <a:rPr lang="en-GB" smtClean="0"/>
-              <a:t>01/03/2021</a:t>
+              <a:t>02/03/2021</a:t>
             </a:fld>
             <a:endParaRPr lang="en-GB"/>
           </a:p>
@@ -768,7 +768,7 @@
           <a:p>
             <a:fld id="{486AF098-4E88-4FB4-B061-84F2E894171B}" type="datetimeFigureOut">
               <a:rPr lang="en-GB" smtClean="0"/>
-              <a:t>01/03/2021</a:t>
+              <a:t>02/03/2021</a:t>
             </a:fld>
             <a:endParaRPr lang="en-GB"/>
           </a:p>
@@ -1036,7 +1036,7 @@
           <a:p>
             <a:fld id="{486AF098-4E88-4FB4-B061-84F2E894171B}" type="datetimeFigureOut">
               <a:rPr lang="en-GB" smtClean="0"/>
-              <a:t>01/03/2021</a:t>
+              <a:t>02/03/2021</a:t>
             </a:fld>
             <a:endParaRPr lang="en-GB"/>
           </a:p>
@@ -1368,7 +1368,7 @@
           <a:p>
             <a:fld id="{486AF098-4E88-4FB4-B061-84F2E894171B}" type="datetimeFigureOut">
               <a:rPr lang="en-GB" smtClean="0"/>
-              <a:t>01/03/2021</a:t>
+              <a:t>02/03/2021</a:t>
             </a:fld>
             <a:endParaRPr lang="en-GB"/>
           </a:p>
@@ -1978,7 +1978,7 @@
           <a:p>
             <a:fld id="{486AF098-4E88-4FB4-B061-84F2E894171B}" type="datetimeFigureOut">
               <a:rPr lang="en-GB" smtClean="0"/>
-              <a:t>01/03/2021</a:t>
+              <a:t>02/03/2021</a:t>
             </a:fld>
             <a:endParaRPr lang="en-GB"/>
           </a:p>
@@ -2825,7 +2825,7 @@
           <a:p>
             <a:fld id="{486AF098-4E88-4FB4-B061-84F2E894171B}" type="datetimeFigureOut">
               <a:rPr lang="en-GB" smtClean="0"/>
-              <a:t>01/03/2021</a:t>
+              <a:t>02/03/2021</a:t>
             </a:fld>
             <a:endParaRPr lang="en-GB"/>
           </a:p>
@@ -2995,7 +2995,7 @@
           <a:p>
             <a:fld id="{486AF098-4E88-4FB4-B061-84F2E894171B}" type="datetimeFigureOut">
               <a:rPr lang="en-GB" smtClean="0"/>
-              <a:t>01/03/2021</a:t>
+              <a:t>02/03/2021</a:t>
             </a:fld>
             <a:endParaRPr lang="en-GB"/>
           </a:p>
@@ -3175,7 +3175,7 @@
           <a:p>
             <a:fld id="{486AF098-4E88-4FB4-B061-84F2E894171B}" type="datetimeFigureOut">
               <a:rPr lang="en-GB" smtClean="0"/>
-              <a:t>01/03/2021</a:t>
+              <a:t>02/03/2021</a:t>
             </a:fld>
             <a:endParaRPr lang="en-GB"/>
           </a:p>
@@ -3345,7 +3345,7 @@
           <a:p>
             <a:fld id="{486AF098-4E88-4FB4-B061-84F2E894171B}" type="datetimeFigureOut">
               <a:rPr lang="en-GB" smtClean="0"/>
-              <a:t>01/03/2021</a:t>
+              <a:t>02/03/2021</a:t>
             </a:fld>
             <a:endParaRPr lang="en-GB"/>
           </a:p>
@@ -3589,7 +3589,7 @@
           <a:p>
             <a:fld id="{486AF098-4E88-4FB4-B061-84F2E894171B}" type="datetimeFigureOut">
               <a:rPr lang="en-GB" smtClean="0"/>
-              <a:t>01/03/2021</a:t>
+              <a:t>02/03/2021</a:t>
             </a:fld>
             <a:endParaRPr lang="en-GB"/>
           </a:p>
@@ -3881,7 +3881,7 @@
           <a:p>
             <a:fld id="{486AF098-4E88-4FB4-B061-84F2E894171B}" type="datetimeFigureOut">
               <a:rPr lang="en-GB" smtClean="0"/>
-              <a:t>01/03/2021</a:t>
+              <a:t>02/03/2021</a:t>
             </a:fld>
             <a:endParaRPr lang="en-GB"/>
           </a:p>
@@ -4319,7 +4319,7 @@
           <a:p>
             <a:fld id="{486AF098-4E88-4FB4-B061-84F2E894171B}" type="datetimeFigureOut">
               <a:rPr lang="en-GB" smtClean="0"/>
-              <a:t>01/03/2021</a:t>
+              <a:t>02/03/2021</a:t>
             </a:fld>
             <a:endParaRPr lang="en-GB"/>
           </a:p>
@@ -4437,7 +4437,7 @@
           <a:p>
             <a:fld id="{486AF098-4E88-4FB4-B061-84F2E894171B}" type="datetimeFigureOut">
               <a:rPr lang="en-GB" smtClean="0"/>
-              <a:t>01/03/2021</a:t>
+              <a:t>02/03/2021</a:t>
             </a:fld>
             <a:endParaRPr lang="en-GB"/>
           </a:p>
@@ -4532,7 +4532,7 @@
           <a:p>
             <a:fld id="{486AF098-4E88-4FB4-B061-84F2E894171B}" type="datetimeFigureOut">
               <a:rPr lang="en-GB" smtClean="0"/>
-              <a:t>01/03/2021</a:t>
+              <a:t>02/03/2021</a:t>
             </a:fld>
             <a:endParaRPr lang="en-GB"/>
           </a:p>
@@ -4811,7 +4811,7 @@
           <a:p>
             <a:fld id="{486AF098-4E88-4FB4-B061-84F2E894171B}" type="datetimeFigureOut">
               <a:rPr lang="en-GB" smtClean="0"/>
-              <a:t>01/03/2021</a:t>
+              <a:t>02/03/2021</a:t>
             </a:fld>
             <a:endParaRPr lang="en-GB"/>
           </a:p>
@@ -5086,7 +5086,7 @@
           <a:p>
             <a:fld id="{486AF098-4E88-4FB4-B061-84F2E894171B}" type="datetimeFigureOut">
               <a:rPr lang="en-GB" smtClean="0"/>
-              <a:t>01/03/2021</a:t>
+              <a:t>02/03/2021</a:t>
             </a:fld>
             <a:endParaRPr lang="en-GB"/>
           </a:p>
@@ -5515,7 +5515,7 @@
           <a:p>
             <a:fld id="{486AF098-4E88-4FB4-B061-84F2E894171B}" type="datetimeFigureOut">
               <a:rPr lang="en-GB" smtClean="0"/>
-              <a:t>01/03/2021</a:t>
+              <a:t>02/03/2021</a:t>
             </a:fld>
             <a:endParaRPr lang="en-GB"/>
           </a:p>
@@ -6105,12 +6105,346 @@
           </a:p>
         </p:txBody>
       </p:sp>
+      <p:sp>
+        <p:nvSpPr>
+          <p:cNvPr id="57" name="TextBox 56">
+            <a:extLst>
+              <a:ext uri="{FF2B5EF4-FFF2-40B4-BE49-F238E27FC236}">
+                <a16:creationId xmlns:a16="http://schemas.microsoft.com/office/drawing/2014/main" id="{8C90BFE7-92E8-4217-B340-3BCBBC0E4B2A}"/>
+              </a:ext>
+            </a:extLst>
+          </p:cNvPr>
+          <p:cNvSpPr txBox="1"/>
+          <p:nvPr/>
+        </p:nvSpPr>
+        <p:spPr>
+          <a:xfrm>
+            <a:off x="4005163" y="2291106"/>
+            <a:ext cx="7679611" cy="707886"/>
+          </a:xfrm>
+          <a:prstGeom prst="rect">
+            <a:avLst/>
+          </a:prstGeom>
+          <a:noFill/>
+        </p:spPr>
+        <p:txBody>
+          <a:bodyPr wrap="square">
+            <a:spAutoFit/>
+          </a:bodyPr>
+          <a:lstStyle/>
+          <a:p>
+            <a:r>
+              <a:rPr lang="en-GB" sz="3200" dirty="0"/>
+              <a:t>SENIOR DEVELOPER </a:t>
+            </a:r>
+            <a:r>
+              <a:rPr lang="en-GB" sz="4000" b="1" dirty="0">
+                <a:solidFill>
+                  <a:srgbClr val="FCB414"/>
+                </a:solidFill>
+                <a:latin typeface="Noto Sans Disp ExtBd" panose="020B0902040504020204" pitchFamily="34"/>
+              </a:rPr>
+              <a:t>@MSC</a:t>
+            </a:r>
+            <a:endParaRPr lang="en-GB" sz="8000" b="1" dirty="0">
+              <a:solidFill>
+                <a:srgbClr val="FCB414"/>
+              </a:solidFill>
+              <a:latin typeface="Noto Sans Disp ExtBd" panose="020B0902040504020204" pitchFamily="34"/>
+            </a:endParaRPr>
+          </a:p>
+        </p:txBody>
+      </p:sp>
+      <p:sp>
+        <p:nvSpPr>
+          <p:cNvPr id="59" name="TextBox 58">
+            <a:extLst>
+              <a:ext uri="{FF2B5EF4-FFF2-40B4-BE49-F238E27FC236}">
+                <a16:creationId xmlns:a16="http://schemas.microsoft.com/office/drawing/2014/main" id="{9D154BD0-5060-4813-B172-76EECB1A2873}"/>
+              </a:ext>
+            </a:extLst>
+          </p:cNvPr>
+          <p:cNvSpPr txBox="1"/>
+          <p:nvPr/>
+        </p:nvSpPr>
+        <p:spPr>
+          <a:xfrm>
+            <a:off x="274084" y="5876650"/>
+            <a:ext cx="8322229" cy="369332"/>
+          </a:xfrm>
+          <a:prstGeom prst="rect">
+            <a:avLst/>
+          </a:prstGeom>
+          <a:noFill/>
+        </p:spPr>
+        <p:txBody>
+          <a:bodyPr wrap="square">
+            <a:spAutoFit/>
+          </a:bodyPr>
+          <a:lstStyle/>
+          <a:p>
+            <a:r>
+              <a:rPr lang="en-GB" b="1" dirty="0"/>
+              <a:t>Garmin:</a:t>
+            </a:r>
+            <a:r>
+              <a:rPr lang="en-GB" dirty="0"/>
+              <a:t> </a:t>
+            </a:r>
+            <a:r>
+              <a:rPr lang="en-GB" dirty="0">
+                <a:hlinkClick r:id="rId2"/>
+              </a:rPr>
+              <a:t>https://connect.garmin.com/modern/profile/FrancescoBasco</a:t>
+            </a:r>
+            <a:endParaRPr lang="en-GB" dirty="0"/>
+          </a:p>
+        </p:txBody>
+      </p:sp>
+      <p:sp>
+        <p:nvSpPr>
+          <p:cNvPr id="60" name="TextBox 59">
+            <a:extLst>
+              <a:ext uri="{FF2B5EF4-FFF2-40B4-BE49-F238E27FC236}">
+                <a16:creationId xmlns:a16="http://schemas.microsoft.com/office/drawing/2014/main" id="{7E98A1C2-F78C-445F-A58B-E1FB02545E1D}"/>
+              </a:ext>
+            </a:extLst>
+          </p:cNvPr>
+          <p:cNvSpPr txBox="1"/>
+          <p:nvPr/>
+        </p:nvSpPr>
+        <p:spPr>
+          <a:xfrm>
+            <a:off x="274085" y="3963258"/>
+            <a:ext cx="7462157" cy="369332"/>
+          </a:xfrm>
+          <a:prstGeom prst="rect">
+            <a:avLst/>
+          </a:prstGeom>
+          <a:noFill/>
+        </p:spPr>
+        <p:txBody>
+          <a:bodyPr wrap="square">
+            <a:spAutoFit/>
+          </a:bodyPr>
+          <a:lstStyle/>
+          <a:p>
+            <a:r>
+              <a:rPr lang="en-GB" b="1" dirty="0" err="1"/>
+              <a:t>Github</a:t>
+            </a:r>
+            <a:r>
+              <a:rPr lang="en-GB" dirty="0"/>
+              <a:t>: </a:t>
+            </a:r>
+            <a:r>
+              <a:rPr lang="en-GB" dirty="0">
+                <a:hlinkClick r:id="rId3"/>
+              </a:rPr>
+              <a:t>https://github.com/fbasco81</a:t>
+            </a:r>
+            <a:endParaRPr lang="en-GB" dirty="0"/>
+          </a:p>
+        </p:txBody>
+      </p:sp>
+      <p:sp>
+        <p:nvSpPr>
+          <p:cNvPr id="62" name="TextBox 61">
+            <a:extLst>
+              <a:ext uri="{FF2B5EF4-FFF2-40B4-BE49-F238E27FC236}">
+                <a16:creationId xmlns:a16="http://schemas.microsoft.com/office/drawing/2014/main" id="{D4F39A5F-102D-4049-A1CE-9B10161AB416}"/>
+              </a:ext>
+            </a:extLst>
+          </p:cNvPr>
+          <p:cNvSpPr txBox="1"/>
+          <p:nvPr/>
+        </p:nvSpPr>
+        <p:spPr>
+          <a:xfrm>
+            <a:off x="274085" y="4773518"/>
+            <a:ext cx="7462157" cy="369332"/>
+          </a:xfrm>
+          <a:prstGeom prst="rect">
+            <a:avLst/>
+          </a:prstGeom>
+          <a:noFill/>
+        </p:spPr>
+        <p:txBody>
+          <a:bodyPr wrap="square">
+            <a:spAutoFit/>
+          </a:bodyPr>
+          <a:lstStyle/>
+          <a:p>
+            <a:r>
+              <a:rPr lang="en-GB" b="1" u="sng" dirty="0">
+                <a:hlinkClick r:id="rId4">
+                  <a:extLst>
+                    <a:ext uri="{A12FA001-AC4F-418D-AE19-62706E023703}">
+                      <ahyp:hlinkClr xmlns:ahyp="http://schemas.microsoft.com/office/drawing/2018/hyperlinkcolor" val="tx"/>
+                    </a:ext>
+                  </a:extLst>
+                </a:hlinkClick>
+              </a:rPr>
+              <a:t>Email:</a:t>
+            </a:r>
+            <a:r>
+              <a:rPr lang="en-GB" dirty="0">
+                <a:solidFill>
+                  <a:srgbClr val="C4E46E"/>
+                </a:solidFill>
+                <a:hlinkClick r:id="rId4">
+                  <a:extLst>
+                    <a:ext uri="{A12FA001-AC4F-418D-AE19-62706E023703}">
+                      <ahyp:hlinkClr xmlns:ahyp="http://schemas.microsoft.com/office/drawing/2018/hyperlinkcolor" val="tx"/>
+                    </a:ext>
+                  </a:extLst>
+                </a:hlinkClick>
+              </a:rPr>
+              <a:t> fbasco81@gmail.com</a:t>
+            </a:r>
+            <a:r>
+              <a:rPr lang="en-GB" dirty="0"/>
+              <a:t>	</a:t>
+            </a:r>
+          </a:p>
+        </p:txBody>
+      </p:sp>
+      <p:sp>
+        <p:nvSpPr>
+          <p:cNvPr id="63" name="TextBox 62">
+            <a:extLst>
+              <a:ext uri="{FF2B5EF4-FFF2-40B4-BE49-F238E27FC236}">
+                <a16:creationId xmlns:a16="http://schemas.microsoft.com/office/drawing/2014/main" id="{E0B6ADB3-A0A0-4381-BB14-F2CAD06051B6}"/>
+              </a:ext>
+            </a:extLst>
+          </p:cNvPr>
+          <p:cNvSpPr txBox="1"/>
+          <p:nvPr/>
+        </p:nvSpPr>
+        <p:spPr>
+          <a:xfrm>
+            <a:off x="274083" y="5465173"/>
+            <a:ext cx="8322229" cy="369332"/>
+          </a:xfrm>
+          <a:prstGeom prst="rect">
+            <a:avLst/>
+          </a:prstGeom>
+          <a:noFill/>
+        </p:spPr>
+        <p:txBody>
+          <a:bodyPr wrap="square">
+            <a:spAutoFit/>
+          </a:bodyPr>
+          <a:lstStyle/>
+          <a:p>
+            <a:r>
+              <a:rPr lang="en-GB" b="1" dirty="0"/>
+              <a:t>Facebook:</a:t>
+            </a:r>
+            <a:r>
+              <a:rPr lang="en-GB" dirty="0"/>
+              <a:t> </a:t>
+            </a:r>
+            <a:r>
+              <a:rPr lang="en-GB" dirty="0">
+                <a:hlinkClick r:id="rId5"/>
+              </a:rPr>
+              <a:t>https://www.facebook.com/francesco.basco.9</a:t>
+            </a:r>
+            <a:endParaRPr lang="en-GB" dirty="0"/>
+          </a:p>
+        </p:txBody>
+      </p:sp>
+      <p:sp>
+        <p:nvSpPr>
+          <p:cNvPr id="9" name="TextBox 8">
+            <a:extLst>
+              <a:ext uri="{FF2B5EF4-FFF2-40B4-BE49-F238E27FC236}">
+                <a16:creationId xmlns:a16="http://schemas.microsoft.com/office/drawing/2014/main" id="{D59080A5-547E-4A19-ABCB-840D08FB9729}"/>
+              </a:ext>
+            </a:extLst>
+          </p:cNvPr>
+          <p:cNvSpPr txBox="1"/>
+          <p:nvPr/>
+        </p:nvSpPr>
+        <p:spPr>
+          <a:xfrm>
+            <a:off x="274083" y="4374735"/>
+            <a:ext cx="9777336" cy="369332"/>
+          </a:xfrm>
+          <a:prstGeom prst="rect">
+            <a:avLst/>
+          </a:prstGeom>
+          <a:noFill/>
+        </p:spPr>
+        <p:txBody>
+          <a:bodyPr wrap="square">
+            <a:spAutoFit/>
+          </a:bodyPr>
+          <a:lstStyle/>
+          <a:p>
+            <a:r>
+              <a:rPr lang="en-GB" b="1" dirty="0" err="1">
+                <a:hlinkClick r:id="rId4">
+                  <a:extLst>
+                    <a:ext uri="{A12FA001-AC4F-418D-AE19-62706E023703}">
+                      <ahyp:hlinkClr xmlns:ahyp="http://schemas.microsoft.com/office/drawing/2018/hyperlinkcolor" val="tx"/>
+                    </a:ext>
+                  </a:extLst>
+                </a:hlinkClick>
+              </a:rPr>
+              <a:t>Linkedin</a:t>
+            </a:r>
+            <a:r>
+              <a:rPr lang="en-GB" b="1" dirty="0">
+                <a:hlinkClick r:id="rId4">
+                  <a:extLst>
+                    <a:ext uri="{A12FA001-AC4F-418D-AE19-62706E023703}">
+                      <ahyp:hlinkClr xmlns:ahyp="http://schemas.microsoft.com/office/drawing/2018/hyperlinkcolor" val="tx"/>
+                    </a:ext>
+                  </a:extLst>
+                </a:hlinkClick>
+              </a:rPr>
+              <a:t>:</a:t>
+            </a:r>
+            <a:r>
+              <a:rPr lang="en-GB" dirty="0">
+                <a:solidFill>
+                  <a:srgbClr val="C4E46E"/>
+                </a:solidFill>
+                <a:hlinkClick r:id="rId4">
+                  <a:extLst>
+                    <a:ext uri="{A12FA001-AC4F-418D-AE19-62706E023703}">
+                      <ahyp:hlinkClr xmlns:ahyp="http://schemas.microsoft.com/office/drawing/2018/hyperlinkcolor" val="tx"/>
+                    </a:ext>
+                  </a:extLst>
+                </a:hlinkClick>
+              </a:rPr>
+              <a:t> </a:t>
+            </a:r>
+            <a:r>
+              <a:rPr lang="en-GB" dirty="0">
+                <a:solidFill>
+                  <a:srgbClr val="C4E46E"/>
+                </a:solidFill>
+                <a:hlinkClick r:id="rId6"/>
+              </a:rPr>
+              <a:t>https://www.linkedin.com/in/francesco-basco-6a827387</a:t>
+            </a:r>
+            <a:endParaRPr lang="en-GB" dirty="0">
+              <a:solidFill>
+                <a:srgbClr val="C4E46E"/>
+              </a:solidFill>
+            </a:endParaRPr>
+          </a:p>
+        </p:txBody>
+      </p:sp>
       <p:pic>
         <p:nvPicPr>
-          <p:cNvPr id="3" name="Picture 2">
+          <p:cNvPr id="4" name="Picture 3">
             <a:extLst>
               <a:ext uri="{FF2B5EF4-FFF2-40B4-BE49-F238E27FC236}">
-                <a16:creationId xmlns:a16="http://schemas.microsoft.com/office/drawing/2014/main" id="{D176B34B-9032-4F73-9DFA-09E3FC45E61F}"/>
+                <a16:creationId xmlns:a16="http://schemas.microsoft.com/office/drawing/2014/main" id="{F4EB8734-0E94-41DA-BD16-0D535A90F2F3}"/>
               </a:ext>
             </a:extLst>
           </p:cNvPr>
@@ -6120,291 +6454,31 @@
           <p:nvPr/>
         </p:nvPicPr>
         <p:blipFill>
-          <a:blip r:embed="rId2">
-            <a:extLst>
-              <a:ext uri="{28A0092B-C50C-407E-A947-70E740481C1C}">
-                <a14:useLocalDpi xmlns:a14="http://schemas.microsoft.com/office/drawing/2010/main" val="0"/>
-              </a:ext>
-              <a:ext uri="{837473B0-CC2E-450A-ABE3-18F120FF3D39}">
-                <a1611:picAttrSrcUrl xmlns:a1611="http://schemas.microsoft.com/office/drawing/2016/11/main" r:id="rId3"/>
-              </a:ext>
-            </a:extLst>
-          </a:blip>
+          <a:blip r:embed="rId7"/>
           <a:stretch>
             <a:fillRect/>
           </a:stretch>
         </p:blipFill>
         <p:spPr>
           <a:xfrm>
-            <a:off x="347721" y="502920"/>
-            <a:ext cx="3385146" cy="2538860"/>
+            <a:off x="324028" y="296885"/>
+            <a:ext cx="3103444" cy="3505211"/>
           </a:xfrm>
           <a:prstGeom prst="rect">
             <a:avLst/>
           </a:prstGeom>
+          <a:ln>
+            <a:noFill/>
+          </a:ln>
+          <a:effectLst>
+            <a:outerShdw blurRad="190500" algn="tl" rotWithShape="0">
+              <a:srgbClr val="000000">
+                <a:alpha val="70000"/>
+              </a:srgbClr>
+            </a:outerShdw>
+          </a:effectLst>
         </p:spPr>
       </p:pic>
-      <p:sp>
-        <p:nvSpPr>
-          <p:cNvPr id="57" name="TextBox 56">
-            <a:extLst>
-              <a:ext uri="{FF2B5EF4-FFF2-40B4-BE49-F238E27FC236}">
-                <a16:creationId xmlns:a16="http://schemas.microsoft.com/office/drawing/2014/main" id="{8C90BFE7-92E8-4217-B340-3BCBBC0E4B2A}"/>
-              </a:ext>
-            </a:extLst>
-          </p:cNvPr>
-          <p:cNvSpPr txBox="1"/>
-          <p:nvPr/>
-        </p:nvSpPr>
-        <p:spPr>
-          <a:xfrm>
-            <a:off x="4005163" y="2291106"/>
-            <a:ext cx="7679611" cy="584775"/>
-          </a:xfrm>
-          <a:prstGeom prst="rect">
-            <a:avLst/>
-          </a:prstGeom>
-          <a:noFill/>
-        </p:spPr>
-        <p:txBody>
-          <a:bodyPr wrap="square">
-            <a:spAutoFit/>
-          </a:bodyPr>
-          <a:lstStyle/>
-          <a:p>
-            <a:r>
-              <a:rPr lang="en-GB" sz="3200" dirty="0"/>
-              <a:t>BACK-END </a:t>
-            </a:r>
-            <a:r>
-              <a:rPr lang="en-GB" dirty="0"/>
-              <a:t>(</a:t>
-            </a:r>
-            <a:r>
-              <a:rPr lang="en-GB" sz="1600" dirty="0"/>
-              <a:t>AND A LITTLE FRONT-END</a:t>
-            </a:r>
-            <a:r>
-              <a:rPr lang="en-GB" dirty="0"/>
-              <a:t>) </a:t>
-            </a:r>
-            <a:r>
-              <a:rPr lang="en-GB" sz="3200" dirty="0"/>
-              <a:t>DEVELOPER</a:t>
-            </a:r>
-            <a:endParaRPr lang="en-GB" sz="2800" dirty="0"/>
-          </a:p>
-        </p:txBody>
-      </p:sp>
-      <p:sp>
-        <p:nvSpPr>
-          <p:cNvPr id="59" name="TextBox 58">
-            <a:extLst>
-              <a:ext uri="{FF2B5EF4-FFF2-40B4-BE49-F238E27FC236}">
-                <a16:creationId xmlns:a16="http://schemas.microsoft.com/office/drawing/2014/main" id="{9D154BD0-5060-4813-B172-76EECB1A2873}"/>
-              </a:ext>
-            </a:extLst>
-          </p:cNvPr>
-          <p:cNvSpPr txBox="1"/>
-          <p:nvPr/>
-        </p:nvSpPr>
-        <p:spPr>
-          <a:xfrm>
-            <a:off x="274084" y="5876650"/>
-            <a:ext cx="8322229" cy="646331"/>
-          </a:xfrm>
-          <a:prstGeom prst="rect">
-            <a:avLst/>
-          </a:prstGeom>
-          <a:noFill/>
-        </p:spPr>
-        <p:txBody>
-          <a:bodyPr wrap="square">
-            <a:spAutoFit/>
-          </a:bodyPr>
-          <a:lstStyle/>
-          <a:p>
-            <a:r>
-              <a:rPr lang="en-GB" b="1" dirty="0"/>
-              <a:t>Garmin:</a:t>
-            </a:r>
-            <a:r>
-              <a:rPr lang="en-GB" dirty="0"/>
-              <a:t> </a:t>
-            </a:r>
-            <a:r>
-              <a:rPr lang="en-GB" dirty="0">
-                <a:hlinkClick r:id="rId4"/>
-              </a:rPr>
-              <a:t>https://connect.garmin.com/modern/profile/FrancescoBasco</a:t>
-            </a:r>
-            <a:br>
-              <a:rPr lang="en-GB" dirty="0"/>
-            </a:br>
-            <a:endParaRPr lang="en-GB" dirty="0"/>
-          </a:p>
-        </p:txBody>
-      </p:sp>
-      <p:sp>
-        <p:nvSpPr>
-          <p:cNvPr id="60" name="TextBox 59">
-            <a:extLst>
-              <a:ext uri="{FF2B5EF4-FFF2-40B4-BE49-F238E27FC236}">
-                <a16:creationId xmlns:a16="http://schemas.microsoft.com/office/drawing/2014/main" id="{7E98A1C2-F78C-445F-A58B-E1FB02545E1D}"/>
-              </a:ext>
-            </a:extLst>
-          </p:cNvPr>
-          <p:cNvSpPr txBox="1"/>
-          <p:nvPr/>
-        </p:nvSpPr>
-        <p:spPr>
-          <a:xfrm>
-            <a:off x="274085" y="3718888"/>
-            <a:ext cx="7462157" cy="646331"/>
-          </a:xfrm>
-          <a:prstGeom prst="rect">
-            <a:avLst/>
-          </a:prstGeom>
-          <a:noFill/>
-        </p:spPr>
-        <p:txBody>
-          <a:bodyPr wrap="square">
-            <a:spAutoFit/>
-          </a:bodyPr>
-          <a:lstStyle/>
-          <a:p>
-            <a:r>
-              <a:rPr lang="en-GB" b="1" dirty="0" err="1"/>
-              <a:t>Github</a:t>
-            </a:r>
-            <a:r>
-              <a:rPr lang="en-GB" dirty="0"/>
-              <a:t>: </a:t>
-            </a:r>
-            <a:r>
-              <a:rPr lang="en-GB" dirty="0">
-                <a:hlinkClick r:id="rId5"/>
-              </a:rPr>
-              <a:t>https://github.com/fbasco81</a:t>
-            </a:r>
-            <a:br>
-              <a:rPr lang="en-GB" dirty="0"/>
-            </a:br>
-            <a:endParaRPr lang="en-GB" dirty="0"/>
-          </a:p>
-        </p:txBody>
-      </p:sp>
-      <p:sp>
-        <p:nvSpPr>
-          <p:cNvPr id="62" name="TextBox 61">
-            <a:extLst>
-              <a:ext uri="{FF2B5EF4-FFF2-40B4-BE49-F238E27FC236}">
-                <a16:creationId xmlns:a16="http://schemas.microsoft.com/office/drawing/2014/main" id="{D4F39A5F-102D-4049-A1CE-9B10161AB416}"/>
-              </a:ext>
-            </a:extLst>
-          </p:cNvPr>
-          <p:cNvSpPr txBox="1"/>
-          <p:nvPr/>
-        </p:nvSpPr>
-        <p:spPr>
-          <a:xfrm>
-            <a:off x="274085" y="4438142"/>
-            <a:ext cx="7462157" cy="369332"/>
-          </a:xfrm>
-          <a:prstGeom prst="rect">
-            <a:avLst/>
-          </a:prstGeom>
-          <a:noFill/>
-        </p:spPr>
-        <p:txBody>
-          <a:bodyPr wrap="square">
-            <a:spAutoFit/>
-          </a:bodyPr>
-          <a:lstStyle/>
-          <a:p>
-            <a:r>
-              <a:rPr lang="en-GB" b="1" dirty="0">
-                <a:hlinkClick r:id="rId6">
-                  <a:extLst>
-                    <a:ext uri="{A12FA001-AC4F-418D-AE19-62706E023703}">
-                      <ahyp:hlinkClr xmlns:ahyp="http://schemas.microsoft.com/office/drawing/2018/hyperlinkcolor" val="tx"/>
-                    </a:ext>
-                  </a:extLst>
-                </a:hlinkClick>
-              </a:rPr>
-              <a:t>Email:</a:t>
-            </a:r>
-            <a:r>
-              <a:rPr lang="en-GB" dirty="0">
-                <a:solidFill>
-                  <a:srgbClr val="C4E46E"/>
-                </a:solidFill>
-                <a:hlinkClick r:id="rId6">
-                  <a:extLst>
-                    <a:ext uri="{A12FA001-AC4F-418D-AE19-62706E023703}">
-                      <ahyp:hlinkClr xmlns:ahyp="http://schemas.microsoft.com/office/drawing/2018/hyperlinkcolor" val="tx"/>
-                    </a:ext>
-                  </a:extLst>
-                </a:hlinkClick>
-              </a:rPr>
-              <a:t> fbasco81@gmail.com</a:t>
-            </a:r>
-            <a:r>
-              <a:rPr lang="en-GB" dirty="0"/>
-              <a:t>	</a:t>
-            </a:r>
-          </a:p>
-        </p:txBody>
-      </p:sp>
-      <p:sp>
-        <p:nvSpPr>
-          <p:cNvPr id="63" name="TextBox 62">
-            <a:extLst>
-              <a:ext uri="{FF2B5EF4-FFF2-40B4-BE49-F238E27FC236}">
-                <a16:creationId xmlns:a16="http://schemas.microsoft.com/office/drawing/2014/main" id="{E0B6ADB3-A0A0-4381-BB14-F2CAD06051B6}"/>
-              </a:ext>
-            </a:extLst>
-          </p:cNvPr>
-          <p:cNvSpPr txBox="1"/>
-          <p:nvPr/>
-        </p:nvSpPr>
-        <p:spPr>
-          <a:xfrm>
-            <a:off x="274085" y="5157396"/>
-            <a:ext cx="8322229" cy="646331"/>
-          </a:xfrm>
-          <a:prstGeom prst="rect">
-            <a:avLst/>
-          </a:prstGeom>
-          <a:noFill/>
-        </p:spPr>
-        <p:txBody>
-          <a:bodyPr wrap="square">
-            <a:spAutoFit/>
-          </a:bodyPr>
-          <a:lstStyle/>
-          <a:p>
-            <a:r>
-              <a:rPr lang="en-GB" b="1" dirty="0"/>
-              <a:t>Facebook:</a:t>
-            </a:r>
-            <a:r>
-              <a:rPr lang="en-GB" dirty="0"/>
-              <a:t> </a:t>
-            </a:r>
-            <a:r>
-              <a:rPr lang="en-GB" dirty="0">
-                <a:hlinkClick r:id="rId7"/>
-              </a:rPr>
-              <a:t>https://www.facebook.com/francesco.basco.9</a:t>
-            </a:r>
-            <a:br>
-              <a:rPr lang="en-GB" dirty="0"/>
-            </a:br>
-            <a:endParaRPr lang="en-GB" dirty="0"/>
-          </a:p>
-        </p:txBody>
-      </p:sp>
     </p:spTree>
     <p:extLst>
       <p:ext uri="{BB962C8B-B14F-4D97-AF65-F5344CB8AC3E}">
@@ -6538,8 +6612,8 @@
         </p:nvSpPr>
         <p:spPr>
           <a:xfrm>
-            <a:off x="608823" y="2548746"/>
-            <a:ext cx="6162868" cy="584775"/>
+            <a:off x="4599330" y="1624400"/>
+            <a:ext cx="4933418" cy="338554"/>
           </a:xfrm>
           <a:prstGeom prst="rect">
             <a:avLst/>
@@ -6564,9 +6638,6 @@
               <a:rPr lang="en-GB" sz="1600" dirty="0"/>
               <a:t> 1.3</a:t>
             </a:r>
-          </a:p>
-          <a:p>
-            <a:endParaRPr lang="en-GB" sz="1600" dirty="0"/>
           </a:p>
         </p:txBody>
       </p:sp>
@@ -6584,7 +6655,7 @@
         </p:nvSpPr>
         <p:spPr>
           <a:xfrm>
-            <a:off x="608823" y="1673779"/>
+            <a:off x="608823" y="1477647"/>
             <a:ext cx="6162868" cy="584775"/>
           </a:xfrm>
           <a:prstGeom prst="rect">
@@ -7047,6 +7118,44 @@
           <a:p>
             <a:pPr lvl="1"/>
             <a:endParaRPr lang="en-GB" b="1" dirty="0"/>
+          </a:p>
+        </p:txBody>
+      </p:sp>
+      <p:sp>
+        <p:nvSpPr>
+          <p:cNvPr id="8" name="TextBox 7">
+            <a:extLst>
+              <a:ext uri="{FF2B5EF4-FFF2-40B4-BE49-F238E27FC236}">
+                <a16:creationId xmlns:a16="http://schemas.microsoft.com/office/drawing/2014/main" id="{A3A8B8CD-5A9A-4976-A46F-E358D07171A3}"/>
+              </a:ext>
+            </a:extLst>
+          </p:cNvPr>
+          <p:cNvSpPr txBox="1"/>
+          <p:nvPr/>
+        </p:nvSpPr>
+        <p:spPr>
+          <a:xfrm>
+            <a:off x="608823" y="2267313"/>
+            <a:ext cx="7172106" cy="369332"/>
+          </a:xfrm>
+          <a:prstGeom prst="rect">
+            <a:avLst/>
+          </a:prstGeom>
+          <a:noFill/>
+        </p:spPr>
+        <p:txBody>
+          <a:bodyPr wrap="square">
+            <a:spAutoFit/>
+          </a:bodyPr>
+          <a:lstStyle/>
+          <a:p>
+            <a:r>
+              <a:rPr lang="en-GB" dirty="0">
+                <a:hlinkClick r:id="rId2"/>
+              </a:rPr>
+              <a:t>@credit - https://github.com/EdwinVW/akka-net-traffic-control</a:t>
+            </a:r>
+            <a:endParaRPr lang="en-GB" dirty="0"/>
           </a:p>
         </p:txBody>
       </p:sp>
@@ -7919,8 +8028,8 @@
         </p:nvSpPr>
         <p:spPr>
           <a:xfrm>
-            <a:off x="-134970" y="60148"/>
-            <a:ext cx="8064704" cy="1323439"/>
+            <a:off x="422299" y="95869"/>
+            <a:ext cx="4686030" cy="1323439"/>
           </a:xfrm>
           <a:prstGeom prst="rect">
             <a:avLst/>
@@ -7933,7 +8042,7 @@
           </a:bodyPr>
           <a:lstStyle/>
           <a:p>
-            <a:pPr marL="0" marR="0" lvl="0" indent="0" algn="ctr" defTabSz="914400" rtl="0" eaLnBrk="1" fontAlgn="auto" latinLnBrk="0" hangingPunct="1">
+            <a:pPr marL="0" marR="0" lvl="0" indent="0" defTabSz="914400" rtl="0" eaLnBrk="1" fontAlgn="auto" latinLnBrk="0" hangingPunct="1">
               <a:lnSpc>
                 <a:spcPct val="100000"/>
               </a:lnSpc>
@@ -7965,7 +8074,7 @@
                 <a:ea typeface="Noto Sans Disp ExtBd" panose="020B0902040504020204" pitchFamily="34"/>
                 <a:cs typeface="Noto Sans Disp ExtBd" panose="020B0902040504020204" pitchFamily="34"/>
               </a:rPr>
-              <a:t>Actor Hierarchy</a:t>
+              <a:t>Diagrams</a:t>
             </a:r>
             <a:endParaRPr kumimoji="0" lang="ru-RU" sz="8000" b="1" i="0" u="none" strike="noStrike" kern="1200" cap="none" spc="0" normalizeH="0" baseline="0" noProof="0" dirty="0">
               <a:ln>
@@ -7998,8 +8107,8 @@
         </p:nvSpPr>
         <p:spPr>
           <a:xfrm>
-            <a:off x="608823" y="1673779"/>
-            <a:ext cx="6162868" cy="584775"/>
+            <a:off x="422299" y="1876203"/>
+            <a:ext cx="7020484" cy="584775"/>
           </a:xfrm>
           <a:prstGeom prst="rect">
             <a:avLst/>
@@ -8014,8 +8123,46 @@
           <a:p>
             <a:r>
               <a:rPr lang="en-GB" sz="3200" dirty="0"/>
-              <a:t>Link to draw.io</a:t>
-            </a:r>
+              <a:t>Actor hierarchy &amp; Message flow</a:t>
+            </a:r>
+          </a:p>
+        </p:txBody>
+      </p:sp>
+      <p:sp>
+        <p:nvSpPr>
+          <p:cNvPr id="5" name="TextBox 4">
+            <a:extLst>
+              <a:ext uri="{FF2B5EF4-FFF2-40B4-BE49-F238E27FC236}">
+                <a16:creationId xmlns:a16="http://schemas.microsoft.com/office/drawing/2014/main" id="{2E50FAD7-2080-4294-846D-000D04FD92D7}"/>
+              </a:ext>
+            </a:extLst>
+          </p:cNvPr>
+          <p:cNvSpPr txBox="1"/>
+          <p:nvPr/>
+        </p:nvSpPr>
+        <p:spPr>
+          <a:xfrm>
+            <a:off x="422299" y="2621525"/>
+            <a:ext cx="10648223" cy="369332"/>
+          </a:xfrm>
+          <a:prstGeom prst="rect">
+            <a:avLst/>
+          </a:prstGeom>
+          <a:noFill/>
+        </p:spPr>
+        <p:txBody>
+          <a:bodyPr wrap="square">
+            <a:spAutoFit/>
+          </a:bodyPr>
+          <a:lstStyle/>
+          <a:p>
+            <a:r>
+              <a:rPr lang="en-GB" dirty="0">
+                <a:hlinkClick r:id="rId2"/>
+              </a:rPr>
+              <a:t>https://drive.google.com/file/d/1NwedDsuc15MudISMnSJMEBPMds7P6Xjx/view?usp=sharing</a:t>
+            </a:r>
+            <a:endParaRPr lang="en-GB" dirty="0"/>
           </a:p>
         </p:txBody>
       </p:sp>

--- a/src/Host/presentation/Presentazione.pptx
+++ b/src/Host/presentation/Presentazione.pptx
@@ -299,7 +299,7 @@
           <a:p>
             <a:fld id="{486AF098-4E88-4FB4-B061-84F2E894171B}" type="datetimeFigureOut">
               <a:rPr lang="en-GB" smtClean="0"/>
-              <a:t>02/03/2021</a:t>
+              <a:t>04/03/2021</a:t>
             </a:fld>
             <a:endParaRPr lang="en-GB"/>
           </a:p>
@@ -574,7 +574,7 @@
           <a:p>
             <a:fld id="{486AF098-4E88-4FB4-B061-84F2E894171B}" type="datetimeFigureOut">
               <a:rPr lang="en-GB" smtClean="0"/>
-              <a:t>02/03/2021</a:t>
+              <a:t>04/03/2021</a:t>
             </a:fld>
             <a:endParaRPr lang="en-GB"/>
           </a:p>
@@ -768,7 +768,7 @@
           <a:p>
             <a:fld id="{486AF098-4E88-4FB4-B061-84F2E894171B}" type="datetimeFigureOut">
               <a:rPr lang="en-GB" smtClean="0"/>
-              <a:t>02/03/2021</a:t>
+              <a:t>04/03/2021</a:t>
             </a:fld>
             <a:endParaRPr lang="en-GB"/>
           </a:p>
@@ -1036,7 +1036,7 @@
           <a:p>
             <a:fld id="{486AF098-4E88-4FB4-B061-84F2E894171B}" type="datetimeFigureOut">
               <a:rPr lang="en-GB" smtClean="0"/>
-              <a:t>02/03/2021</a:t>
+              <a:t>04/03/2021</a:t>
             </a:fld>
             <a:endParaRPr lang="en-GB"/>
           </a:p>
@@ -1368,7 +1368,7 @@
           <a:p>
             <a:fld id="{486AF098-4E88-4FB4-B061-84F2E894171B}" type="datetimeFigureOut">
               <a:rPr lang="en-GB" smtClean="0"/>
-              <a:t>02/03/2021</a:t>
+              <a:t>04/03/2021</a:t>
             </a:fld>
             <a:endParaRPr lang="en-GB"/>
           </a:p>
@@ -1978,7 +1978,7 @@
           <a:p>
             <a:fld id="{486AF098-4E88-4FB4-B061-84F2E894171B}" type="datetimeFigureOut">
               <a:rPr lang="en-GB" smtClean="0"/>
-              <a:t>02/03/2021</a:t>
+              <a:t>04/03/2021</a:t>
             </a:fld>
             <a:endParaRPr lang="en-GB"/>
           </a:p>
@@ -2825,7 +2825,7 @@
           <a:p>
             <a:fld id="{486AF098-4E88-4FB4-B061-84F2E894171B}" type="datetimeFigureOut">
               <a:rPr lang="en-GB" smtClean="0"/>
-              <a:t>02/03/2021</a:t>
+              <a:t>04/03/2021</a:t>
             </a:fld>
             <a:endParaRPr lang="en-GB"/>
           </a:p>
@@ -2995,7 +2995,7 @@
           <a:p>
             <a:fld id="{486AF098-4E88-4FB4-B061-84F2E894171B}" type="datetimeFigureOut">
               <a:rPr lang="en-GB" smtClean="0"/>
-              <a:t>02/03/2021</a:t>
+              <a:t>04/03/2021</a:t>
             </a:fld>
             <a:endParaRPr lang="en-GB"/>
           </a:p>
@@ -3175,7 +3175,7 @@
           <a:p>
             <a:fld id="{486AF098-4E88-4FB4-B061-84F2E894171B}" type="datetimeFigureOut">
               <a:rPr lang="en-GB" smtClean="0"/>
-              <a:t>02/03/2021</a:t>
+              <a:t>04/03/2021</a:t>
             </a:fld>
             <a:endParaRPr lang="en-GB"/>
           </a:p>
@@ -3345,7 +3345,7 @@
           <a:p>
             <a:fld id="{486AF098-4E88-4FB4-B061-84F2E894171B}" type="datetimeFigureOut">
               <a:rPr lang="en-GB" smtClean="0"/>
-              <a:t>02/03/2021</a:t>
+              <a:t>04/03/2021</a:t>
             </a:fld>
             <a:endParaRPr lang="en-GB"/>
           </a:p>
@@ -3589,7 +3589,7 @@
           <a:p>
             <a:fld id="{486AF098-4E88-4FB4-B061-84F2E894171B}" type="datetimeFigureOut">
               <a:rPr lang="en-GB" smtClean="0"/>
-              <a:t>02/03/2021</a:t>
+              <a:t>04/03/2021</a:t>
             </a:fld>
             <a:endParaRPr lang="en-GB"/>
           </a:p>
@@ -3881,7 +3881,7 @@
           <a:p>
             <a:fld id="{486AF098-4E88-4FB4-B061-84F2E894171B}" type="datetimeFigureOut">
               <a:rPr lang="en-GB" smtClean="0"/>
-              <a:t>02/03/2021</a:t>
+              <a:t>04/03/2021</a:t>
             </a:fld>
             <a:endParaRPr lang="en-GB"/>
           </a:p>
@@ -4319,7 +4319,7 @@
           <a:p>
             <a:fld id="{486AF098-4E88-4FB4-B061-84F2E894171B}" type="datetimeFigureOut">
               <a:rPr lang="en-GB" smtClean="0"/>
-              <a:t>02/03/2021</a:t>
+              <a:t>04/03/2021</a:t>
             </a:fld>
             <a:endParaRPr lang="en-GB"/>
           </a:p>
@@ -4437,7 +4437,7 @@
           <a:p>
             <a:fld id="{486AF098-4E88-4FB4-B061-84F2E894171B}" type="datetimeFigureOut">
               <a:rPr lang="en-GB" smtClean="0"/>
-              <a:t>02/03/2021</a:t>
+              <a:t>04/03/2021</a:t>
             </a:fld>
             <a:endParaRPr lang="en-GB"/>
           </a:p>
@@ -4532,7 +4532,7 @@
           <a:p>
             <a:fld id="{486AF098-4E88-4FB4-B061-84F2E894171B}" type="datetimeFigureOut">
               <a:rPr lang="en-GB" smtClean="0"/>
-              <a:t>02/03/2021</a:t>
+              <a:t>04/03/2021</a:t>
             </a:fld>
             <a:endParaRPr lang="en-GB"/>
           </a:p>
@@ -4811,7 +4811,7 @@
           <a:p>
             <a:fld id="{486AF098-4E88-4FB4-B061-84F2E894171B}" type="datetimeFigureOut">
               <a:rPr lang="en-GB" smtClean="0"/>
-              <a:t>02/03/2021</a:t>
+              <a:t>04/03/2021</a:t>
             </a:fld>
             <a:endParaRPr lang="en-GB"/>
           </a:p>
@@ -5086,7 +5086,7 @@
           <a:p>
             <a:fld id="{486AF098-4E88-4FB4-B061-84F2E894171B}" type="datetimeFigureOut">
               <a:rPr lang="en-GB" smtClean="0"/>
-              <a:t>02/03/2021</a:t>
+              <a:t>04/03/2021</a:t>
             </a:fld>
             <a:endParaRPr lang="en-GB"/>
           </a:p>
@@ -5515,7 +5515,7 @@
           <a:p>
             <a:fld id="{486AF098-4E88-4FB4-B061-84F2E894171B}" type="datetimeFigureOut">
               <a:rPr lang="en-GB" smtClean="0"/>
-              <a:t>02/03/2021</a:t>
+              <a:t>04/03/2021</a:t>
             </a:fld>
             <a:endParaRPr lang="en-GB"/>
           </a:p>
@@ -6705,7 +6705,7 @@
         </p:spPr>
         <p:txBody>
           <a:bodyPr vert="horz" lIns="91440" tIns="45720" rIns="91440" bIns="45720" numCol="2" rtlCol="0" anchor="t">
-            <a:normAutofit lnSpcReduction="10000"/>
+            <a:normAutofit fontScale="92500" lnSpcReduction="10000"/>
           </a:bodyPr>
           <a:lstStyle>
             <a:lvl1pPr marL="0" indent="0" algn="l" defTabSz="457200" rtl="0" eaLnBrk="1" latinLnBrk="0" hangingPunct="1">
@@ -6971,6 +6971,20 @@
               <a:buChar char="•"/>
             </a:pPr>
             <a:r>
+              <a:rPr lang="en-GB" b="1" dirty="0">
+                <a:solidFill>
+                  <a:schemeClr val="tx1"/>
+                </a:solidFill>
+              </a:rPr>
+              <a:t>STATE / THREAD SAFETY</a:t>
+            </a:r>
+          </a:p>
+          <a:p>
+            <a:pPr marL="342900" indent="-342900">
+              <a:buFont typeface="Arial" panose="020B0604020202020204" pitchFamily="34" charset="0"/>
+              <a:buChar char="•"/>
+            </a:pPr>
+            <a:r>
               <a:rPr lang="en-GB" b="1" dirty="0" err="1">
                 <a:solidFill>
                   <a:schemeClr val="tx1"/>
@@ -6995,7 +7009,7 @@
                   <a:schemeClr val="tx1"/>
                 </a:solidFill>
               </a:rPr>
-              <a:t>routing</a:t>
+              <a:t>SCHEDULING</a:t>
             </a:r>
           </a:p>
           <a:p>
@@ -7009,21 +7023,7 @@
                   <a:schemeClr val="tx1"/>
                 </a:solidFill>
               </a:rPr>
-              <a:t>SCHEDULING</a:t>
-            </a:r>
-          </a:p>
-          <a:p>
-            <a:pPr marL="342900" indent="-342900">
-              <a:buFont typeface="Arial" panose="020B0604020202020204" pitchFamily="34" charset="0"/>
-              <a:buChar char="•"/>
-            </a:pPr>
-            <a:r>
-              <a:rPr lang="en-GB" b="1" dirty="0">
-                <a:solidFill>
-                  <a:schemeClr val="tx1"/>
-                </a:solidFill>
-              </a:rPr>
-              <a:t>THREAD SAFETY</a:t>
+              <a:t>routing</a:t>
             </a:r>
           </a:p>
           <a:p>
